--- a/Apresentação/SPRINT 2.pptx
+++ b/Apresentação/SPRINT 2.pptx
@@ -5,10 +5,10 @@
     <p:sldMasterId id="2147483648" r:id="rId1"/>
   </p:sldMasterIdLst>
   <p:notesMasterIdLst>
-    <p:notesMasterId r:id="rId18"/>
+    <p:notesMasterId r:id="rId19"/>
   </p:notesMasterIdLst>
   <p:handoutMasterIdLst>
-    <p:handoutMasterId r:id="rId19"/>
+    <p:handoutMasterId r:id="rId20"/>
   </p:handoutMasterIdLst>
   <p:sldIdLst>
     <p:sldId id="256" r:id="rId2"/>
@@ -20,13 +20,14 @@
     <p:sldId id="281" r:id="rId8"/>
     <p:sldId id="283" r:id="rId9"/>
     <p:sldId id="287" r:id="rId10"/>
-    <p:sldId id="289" r:id="rId11"/>
-    <p:sldId id="290" r:id="rId12"/>
-    <p:sldId id="291" r:id="rId13"/>
-    <p:sldId id="292" r:id="rId14"/>
-    <p:sldId id="293" r:id="rId15"/>
-    <p:sldId id="294" r:id="rId16"/>
-    <p:sldId id="285" r:id="rId17"/>
+    <p:sldId id="295" r:id="rId11"/>
+    <p:sldId id="289" r:id="rId12"/>
+    <p:sldId id="290" r:id="rId13"/>
+    <p:sldId id="291" r:id="rId14"/>
+    <p:sldId id="292" r:id="rId15"/>
+    <p:sldId id="293" r:id="rId16"/>
+    <p:sldId id="294" r:id="rId17"/>
+    <p:sldId id="285" r:id="rId18"/>
   </p:sldIdLst>
   <p:sldSz cx="12192000" cy="6858000"/>
   <p:notesSz cx="6858000" cy="9144000"/>
@@ -286,6 +287,11 @@
                 </a:contourClr>
               </a:sp3d>
             </c:spPr>
+            <c:extLst>
+              <c:ext xmlns:c16="http://schemas.microsoft.com/office/drawing/2014/chart" uri="{C3380CC4-5D6E-409C-BE32-E72D297353CC}">
+                <c16:uniqueId val="{00000001-C1A3-4E63-BCFF-1CA25D57F216}"/>
+              </c:ext>
+            </c:extLst>
           </c:dPt>
           <c:dPt>
             <c:idx val="1"/>
@@ -337,6 +343,11 @@
                 </a:contourClr>
               </a:sp3d>
             </c:spPr>
+            <c:extLst>
+              <c:ext xmlns:c16="http://schemas.microsoft.com/office/drawing/2014/chart" uri="{C3380CC4-5D6E-409C-BE32-E72D297353CC}">
+                <c16:uniqueId val="{00000005-C1A3-4E63-BCFF-1CA25D57F216}"/>
+              </c:ext>
+            </c:extLst>
           </c:dPt>
           <c:dPt>
             <c:idx val="3"/>
@@ -362,6 +373,11 @@
                 </a:contourClr>
               </a:sp3d>
             </c:spPr>
+            <c:extLst>
+              <c:ext xmlns:c16="http://schemas.microsoft.com/office/drawing/2014/chart" uri="{C3380CC4-5D6E-409C-BE32-E72D297353CC}">
+                <c16:uniqueId val="{00000007-C1A3-4E63-BCFF-1CA25D57F216}"/>
+              </c:ext>
+            </c:extLst>
           </c:dPt>
           <c:dLbls>
             <c:spPr>
@@ -1807,7 +1823,7 @@
     </p:spTree>
     <p:extLst>
       <p:ext uri="{BB962C8B-B14F-4D97-AF65-F5344CB8AC3E}">
-        <p14:creationId xmlns:p14="http://schemas.microsoft.com/office/powerpoint/2010/main" val="756309723"/>
+        <p14:creationId xmlns:p14="http://schemas.microsoft.com/office/powerpoint/2010/main" val="3995872455"/>
       </p:ext>
     </p:extLst>
   </p:cSld>
@@ -1893,7 +1909,7 @@
     </p:spTree>
     <p:extLst>
       <p:ext uri="{BB962C8B-B14F-4D97-AF65-F5344CB8AC3E}">
-        <p14:creationId xmlns:p14="http://schemas.microsoft.com/office/powerpoint/2010/main" val="4096705052"/>
+        <p14:creationId xmlns:p14="http://schemas.microsoft.com/office/powerpoint/2010/main" val="756309723"/>
       </p:ext>
     </p:extLst>
   </p:cSld>
@@ -1979,7 +1995,7 @@
     </p:spTree>
     <p:extLst>
       <p:ext uri="{BB962C8B-B14F-4D97-AF65-F5344CB8AC3E}">
-        <p14:creationId xmlns:p14="http://schemas.microsoft.com/office/powerpoint/2010/main" val="411701937"/>
+        <p14:creationId xmlns:p14="http://schemas.microsoft.com/office/powerpoint/2010/main" val="4096705052"/>
       </p:ext>
     </p:extLst>
   </p:cSld>
@@ -2065,7 +2081,7 @@
     </p:spTree>
     <p:extLst>
       <p:ext uri="{BB962C8B-B14F-4D97-AF65-F5344CB8AC3E}">
-        <p14:creationId xmlns:p14="http://schemas.microsoft.com/office/powerpoint/2010/main" val="4083429505"/>
+        <p14:creationId xmlns:p14="http://schemas.microsoft.com/office/powerpoint/2010/main" val="411701937"/>
       </p:ext>
     </p:extLst>
   </p:cSld>
@@ -2151,7 +2167,7 @@
     </p:spTree>
     <p:extLst>
       <p:ext uri="{BB962C8B-B14F-4D97-AF65-F5344CB8AC3E}">
-        <p14:creationId xmlns:p14="http://schemas.microsoft.com/office/powerpoint/2010/main" val="13931859"/>
+        <p14:creationId xmlns:p14="http://schemas.microsoft.com/office/powerpoint/2010/main" val="4083429505"/>
       </p:ext>
     </p:extLst>
   </p:cSld>
@@ -2237,7 +2253,7 @@
     </p:spTree>
     <p:extLst>
       <p:ext uri="{BB962C8B-B14F-4D97-AF65-F5344CB8AC3E}">
-        <p14:creationId xmlns:p14="http://schemas.microsoft.com/office/powerpoint/2010/main" val="4011925794"/>
+        <p14:creationId xmlns:p14="http://schemas.microsoft.com/office/powerpoint/2010/main" val="13931859"/>
       </p:ext>
     </p:extLst>
   </p:cSld>
@@ -2315,6 +2331,92 @@
             <a:fld id="{BE60DC36-8EFA-4378-9855-E019C55AC472}" type="slidenum">
               <a:rPr lang="pt-BR" smtClean="0"/>
               <a:t>16</a:t>
+            </a:fld>
+            <a:endParaRPr lang="pt-BR" dirty="0"/>
+          </a:p>
+        </p:txBody>
+      </p:sp>
+    </p:spTree>
+    <p:extLst>
+      <p:ext uri="{BB962C8B-B14F-4D97-AF65-F5344CB8AC3E}">
+        <p14:creationId xmlns:p14="http://schemas.microsoft.com/office/powerpoint/2010/main" val="4011925794"/>
+      </p:ext>
+    </p:extLst>
+  </p:cSld>
+  <p:clrMapOvr>
+    <a:masterClrMapping/>
+  </p:clrMapOvr>
+</p:notes>
+</file>
+
+<file path=ppt/notesSlides/notesSlide17.xml><?xml version="1.0" encoding="utf-8"?>
+<p:notes xmlns:a="http://schemas.openxmlformats.org/drawingml/2006/main" xmlns:r="http://schemas.openxmlformats.org/officeDocument/2006/relationships" xmlns:p="http://schemas.openxmlformats.org/presentationml/2006/main">
+  <p:cSld>
+    <p:spTree>
+      <p:nvGrpSpPr>
+        <p:cNvPr id="1" name=""/>
+        <p:cNvGrpSpPr/>
+        <p:nvPr/>
+      </p:nvGrpSpPr>
+      <p:grpSpPr>
+        <a:xfrm>
+          <a:off x="0" y="0"/>
+          <a:ext cx="0" cy="0"/>
+          <a:chOff x="0" y="0"/>
+          <a:chExt cx="0" cy="0"/>
+        </a:xfrm>
+      </p:grpSpPr>
+      <p:sp>
+        <p:nvSpPr>
+          <p:cNvPr id="2" name="Espaço reservado para a imagem do slide 1"/>
+          <p:cNvSpPr>
+            <a:spLocks noGrp="1" noRot="1" noChangeAspect="1"/>
+          </p:cNvSpPr>
+          <p:nvPr>
+            <p:ph type="sldImg"/>
+          </p:nvPr>
+        </p:nvSpPr>
+        <p:spPr/>
+      </p:sp>
+      <p:sp>
+        <p:nvSpPr>
+          <p:cNvPr id="3" name="Espaço reservado para anotações 2"/>
+          <p:cNvSpPr>
+            <a:spLocks noGrp="1"/>
+          </p:cNvSpPr>
+          <p:nvPr>
+            <p:ph type="body" idx="1"/>
+          </p:nvPr>
+        </p:nvSpPr>
+        <p:spPr/>
+        <p:txBody>
+          <a:bodyPr rtlCol="0"/>
+          <a:lstStyle/>
+          <a:p>
+            <a:pPr rtl="0"/>
+            <a:endParaRPr lang="pt-BR" dirty="0"/>
+          </a:p>
+        </p:txBody>
+      </p:sp>
+      <p:sp>
+        <p:nvSpPr>
+          <p:cNvPr id="4" name="Espaço reservado para o número do slide 3"/>
+          <p:cNvSpPr>
+            <a:spLocks noGrp="1"/>
+          </p:cNvSpPr>
+          <p:nvPr>
+            <p:ph type="sldNum" sz="quarter" idx="5"/>
+          </p:nvPr>
+        </p:nvSpPr>
+        <p:spPr/>
+        <p:txBody>
+          <a:bodyPr rtlCol="0"/>
+          <a:lstStyle/>
+          <a:p>
+            <a:pPr rtl="0"/>
+            <a:fld id="{BE60DC36-8EFA-4378-9855-E019C55AC472}" type="slidenum">
+              <a:rPr lang="pt-BR" smtClean="0"/>
+              <a:t>17</a:t>
             </a:fld>
             <a:endParaRPr lang="pt-BR" dirty="0"/>
           </a:p>
@@ -8086,7 +8188,7 @@
         </p:nvSpPr>
         <p:spPr>
           <a:xfrm>
-            <a:off x="3612243" y="1279692"/>
+            <a:off x="3612243" y="1173241"/>
             <a:ext cx="4967514" cy="664797"/>
           </a:xfrm>
           <a:prstGeom prst="roundRect">
@@ -8124,7 +8226,7 @@
               <a:rPr lang="pt-BR" b="1" dirty="0">
                 <a:latin typeface="+mj-lt"/>
               </a:rPr>
-              <a:t>Simulador</a:t>
+              <a:t>Cadastro e login</a:t>
             </a:r>
           </a:p>
         </p:txBody>
@@ -8134,7 +8236,7 @@
           <p:cNvPr id="2" name="Imagem 1">
             <a:extLst>
               <a:ext uri="{FF2B5EF4-FFF2-40B4-BE49-F238E27FC236}">
-                <a16:creationId xmlns:a16="http://schemas.microsoft.com/office/drawing/2014/main" id="{3AD6AF8D-4B87-4606-87B9-FEBA1BCD8E79}"/>
+                <a16:creationId xmlns:a16="http://schemas.microsoft.com/office/drawing/2014/main" id="{DB70DE85-FB90-4FF2-BC7A-F157CD6443D4}"/>
               </a:ext>
             </a:extLst>
           </p:cNvPr>
@@ -8151,8 +8253,8 @@
         </p:blipFill>
         <p:spPr>
           <a:xfrm>
-            <a:off x="2443162" y="2646561"/>
-            <a:ext cx="7773123" cy="2411999"/>
+            <a:off x="1342240" y="2031936"/>
+            <a:ext cx="9253056" cy="4694210"/>
           </a:xfrm>
           <a:prstGeom prst="rect">
             <a:avLst/>
@@ -8162,7 +8264,7 @@
     </p:spTree>
     <p:extLst>
       <p:ext uri="{BB962C8B-B14F-4D97-AF65-F5344CB8AC3E}">
-        <p14:creationId xmlns:p14="http://schemas.microsoft.com/office/powerpoint/2010/main" val="2069969645"/>
+        <p14:creationId xmlns:p14="http://schemas.microsoft.com/office/powerpoint/2010/main" val="3258170134"/>
       </p:ext>
     </p:extLst>
   </p:cSld>
@@ -8428,15 +8530,45 @@
               <a:rPr lang="pt-BR" b="1" dirty="0">
                 <a:latin typeface="+mj-lt"/>
               </a:rPr>
-              <a:t>Banco de dados</a:t>
+              <a:t>Simulador</a:t>
             </a:r>
           </a:p>
         </p:txBody>
       </p:sp>
+      <p:pic>
+        <p:nvPicPr>
+          <p:cNvPr id="2" name="Imagem 1">
+            <a:extLst>
+              <a:ext uri="{FF2B5EF4-FFF2-40B4-BE49-F238E27FC236}">
+                <a16:creationId xmlns:a16="http://schemas.microsoft.com/office/drawing/2014/main" id="{3AD6AF8D-4B87-4606-87B9-FEBA1BCD8E79}"/>
+              </a:ext>
+            </a:extLst>
+          </p:cNvPr>
+          <p:cNvPicPr>
+            <a:picLocks noChangeAspect="1"/>
+          </p:cNvPicPr>
+          <p:nvPr/>
+        </p:nvPicPr>
+        <p:blipFill>
+          <a:blip r:embed="rId3"/>
+          <a:stretch>
+            <a:fillRect/>
+          </a:stretch>
+        </p:blipFill>
+        <p:spPr>
+          <a:xfrm>
+            <a:off x="2443162" y="2646561"/>
+            <a:ext cx="7773123" cy="2411999"/>
+          </a:xfrm>
+          <a:prstGeom prst="rect">
+            <a:avLst/>
+          </a:prstGeom>
+        </p:spPr>
+      </p:pic>
     </p:spTree>
     <p:extLst>
       <p:ext uri="{BB962C8B-B14F-4D97-AF65-F5344CB8AC3E}">
-        <p14:creationId xmlns:p14="http://schemas.microsoft.com/office/powerpoint/2010/main" val="3200776122"/>
+        <p14:creationId xmlns:p14="http://schemas.microsoft.com/office/powerpoint/2010/main" val="2069969645"/>
       </p:ext>
     </p:extLst>
   </p:cSld>
@@ -8702,11 +8834,345 @@
               <a:rPr lang="pt-BR" b="1" dirty="0">
                 <a:latin typeface="+mj-lt"/>
               </a:rPr>
+              <a:t>Modelagem de dados</a:t>
+            </a:r>
+          </a:p>
+        </p:txBody>
+      </p:sp>
+      <p:pic>
+        <p:nvPicPr>
+          <p:cNvPr id="2" name="Imagem 1">
+            <a:extLst>
+              <a:ext uri="{FF2B5EF4-FFF2-40B4-BE49-F238E27FC236}">
+                <a16:creationId xmlns:a16="http://schemas.microsoft.com/office/drawing/2014/main" id="{DE343374-776B-44AF-9D78-385F5FEA09A5}"/>
+              </a:ext>
+            </a:extLst>
+          </p:cNvPr>
+          <p:cNvPicPr>
+            <a:picLocks noChangeAspect="1"/>
+          </p:cNvPicPr>
+          <p:nvPr/>
+        </p:nvPicPr>
+        <p:blipFill>
+          <a:blip r:embed="rId3"/>
+          <a:stretch>
+            <a:fillRect/>
+          </a:stretch>
+        </p:blipFill>
+        <p:spPr>
+          <a:xfrm>
+            <a:off x="228600" y="2591274"/>
+            <a:ext cx="11350304" cy="2685086"/>
+          </a:xfrm>
+          <a:prstGeom prst="rect">
+            <a:avLst/>
+          </a:prstGeom>
+        </p:spPr>
+      </p:pic>
+    </p:spTree>
+    <p:extLst>
+      <p:ext uri="{BB962C8B-B14F-4D97-AF65-F5344CB8AC3E}">
+        <p14:creationId xmlns:p14="http://schemas.microsoft.com/office/powerpoint/2010/main" val="3200776122"/>
+      </p:ext>
+    </p:extLst>
+  </p:cSld>
+  <p:clrMapOvr>
+    <a:masterClrMapping/>
+  </p:clrMapOvr>
+</p:sld>
+</file>
+
+<file path=ppt/slides/slide13.xml><?xml version="1.0" encoding="utf-8"?>
+<p:sld xmlns:a="http://schemas.openxmlformats.org/drawingml/2006/main" xmlns:r="http://schemas.openxmlformats.org/officeDocument/2006/relationships" xmlns:p="http://schemas.openxmlformats.org/presentationml/2006/main">
+  <p:cSld>
+    <p:spTree>
+      <p:nvGrpSpPr>
+        <p:cNvPr id="1" name=""/>
+        <p:cNvGrpSpPr/>
+        <p:nvPr/>
+      </p:nvGrpSpPr>
+      <p:grpSpPr>
+        <a:xfrm>
+          <a:off x="0" y="0"/>
+          <a:ext cx="0" cy="0"/>
+          <a:chOff x="0" y="0"/>
+          <a:chExt cx="0" cy="0"/>
+        </a:xfrm>
+      </p:grpSpPr>
+      <p:sp>
+        <p:nvSpPr>
+          <p:cNvPr id="7" name="Título 6" hidden="1">
+            <a:extLst>
+              <a:ext uri="{FF2B5EF4-FFF2-40B4-BE49-F238E27FC236}">
+                <a16:creationId xmlns:a16="http://schemas.microsoft.com/office/drawing/2014/main" id="{A588A72A-976E-478A-9DD3-765AB3ED4CD0}"/>
+              </a:ext>
+            </a:extLst>
+          </p:cNvPr>
+          <p:cNvSpPr>
+            <a:spLocks noGrp="1"/>
+          </p:cNvSpPr>
+          <p:nvPr>
+            <p:ph type="title" idx="4294967295"/>
+          </p:nvPr>
+        </p:nvSpPr>
+        <p:spPr>
+          <a:xfrm>
+            <a:off x="0" y="365125"/>
+            <a:ext cx="10515600" cy="1325563"/>
+          </a:xfrm>
+        </p:spPr>
+        <p:txBody>
+          <a:bodyPr rtlCol="0"/>
+          <a:lstStyle/>
+          <a:p>
+            <a:r>
+              <a:rPr lang="pt-BR" dirty="0"/>
+              <a:t>Análise de projeto slide 8</a:t>
+            </a:r>
+            <a:endParaRPr lang="pt-br" dirty="0"/>
+          </a:p>
+        </p:txBody>
+      </p:sp>
+      <p:cxnSp>
+        <p:nvCxnSpPr>
+          <p:cNvPr id="8" name="Conector Reto 7">
+            <a:extLst>
+              <a:ext uri="{FF2B5EF4-FFF2-40B4-BE49-F238E27FC236}">
+                <a16:creationId xmlns:a16="http://schemas.microsoft.com/office/drawing/2014/main" id="{D0986099-F5F2-4E8B-BE17-81194861A00C}"/>
+              </a:ext>
+              <a:ext uri="{C183D7F6-B498-43B3-948B-1728B52AA6E4}">
+                <adec:decorative xmlns:adec="http://schemas.microsoft.com/office/drawing/2017/decorative" val="1"/>
+              </a:ext>
+            </a:extLst>
+          </p:cNvPr>
+          <p:cNvCxnSpPr>
+            <a:cxnSpLocks/>
+          </p:cNvCxnSpPr>
+          <p:nvPr/>
+        </p:nvCxnSpPr>
+        <p:spPr>
+          <a:xfrm>
+            <a:off x="8105775" y="522898"/>
+            <a:ext cx="4086225" cy="0"/>
+          </a:xfrm>
+          <a:prstGeom prst="line">
+            <a:avLst/>
+          </a:prstGeom>
+          <a:ln>
+            <a:solidFill>
+              <a:schemeClr val="accent3">
+                <a:lumMod val="50000"/>
+              </a:schemeClr>
+            </a:solidFill>
+            <a:headEnd type="oval"/>
+          </a:ln>
+        </p:spPr>
+        <p:style>
+          <a:lnRef idx="1">
+            <a:schemeClr val="accent1"/>
+          </a:lnRef>
+          <a:fillRef idx="0">
+            <a:schemeClr val="accent1"/>
+          </a:fillRef>
+          <a:effectRef idx="0">
+            <a:schemeClr val="accent1"/>
+          </a:effectRef>
+          <a:fontRef idx="minor">
+            <a:schemeClr val="tx1"/>
+          </a:fontRef>
+        </p:style>
+      </p:cxnSp>
+      <p:sp>
+        <p:nvSpPr>
+          <p:cNvPr id="11" name="Título 1">
+            <a:extLst>
+              <a:ext uri="{FF2B5EF4-FFF2-40B4-BE49-F238E27FC236}">
+                <a16:creationId xmlns:a16="http://schemas.microsoft.com/office/drawing/2014/main" id="{4E3F5479-058B-4FA8-92E9-18CAB8CDC5C5}"/>
+              </a:ext>
+            </a:extLst>
+          </p:cNvPr>
+          <p:cNvSpPr txBox="1">
+            <a:spLocks/>
+          </p:cNvSpPr>
+          <p:nvPr/>
+        </p:nvSpPr>
+        <p:spPr>
+          <a:xfrm>
+            <a:off x="228600" y="328999"/>
+            <a:ext cx="11734800" cy="387798"/>
+          </a:xfrm>
+          <a:prstGeom prst="rect">
+            <a:avLst/>
+          </a:prstGeom>
+        </p:spPr>
+        <p:txBody>
+          <a:bodyPr vert="horz" wrap="square" lIns="0" tIns="0" rIns="0" bIns="0" rtlCol="0" anchor="t">
+            <a:spAutoFit/>
+          </a:bodyPr>
+          <a:lstStyle>
+            <a:lvl1pPr algn="l" defTabSz="914400" rtl="0" eaLnBrk="1" latinLnBrk="0" hangingPunct="1">
+              <a:lnSpc>
+                <a:spcPct val="90000"/>
+              </a:lnSpc>
+              <a:spcBef>
+                <a:spcPct val="0"/>
+              </a:spcBef>
+              <a:buNone/>
+              <a:defRPr sz="4400" kern="1200">
+                <a:solidFill>
+                  <a:schemeClr val="tx1"/>
+                </a:solidFill>
+                <a:latin typeface="+mj-lt"/>
+                <a:ea typeface="+mj-ea"/>
+                <a:cs typeface="+mj-cs"/>
+              </a:defRPr>
+            </a:lvl1pPr>
+          </a:lstStyle>
+          <a:p>
+            <a:pPr algn="ctr" rtl="0"/>
+            <a:r>
+              <a:rPr lang="pt-BR" sz="2800" dirty="0"/>
+              <a:t>Sensor Vital</a:t>
+            </a:r>
+          </a:p>
+        </p:txBody>
+      </p:sp>
+      <p:cxnSp>
+        <p:nvCxnSpPr>
+          <p:cNvPr id="14" name="Conector Reto 13">
+            <a:extLst>
+              <a:ext uri="{FF2B5EF4-FFF2-40B4-BE49-F238E27FC236}">
+                <a16:creationId xmlns:a16="http://schemas.microsoft.com/office/drawing/2014/main" id="{83E690F4-843A-47A5-8620-4FB01C0D8E68}"/>
+              </a:ext>
+              <a:ext uri="{C183D7F6-B498-43B3-948B-1728B52AA6E4}">
+                <adec:decorative xmlns:adec="http://schemas.microsoft.com/office/drawing/2017/decorative" val="1"/>
+              </a:ext>
+            </a:extLst>
+          </p:cNvPr>
+          <p:cNvCxnSpPr>
+            <a:cxnSpLocks/>
+          </p:cNvCxnSpPr>
+          <p:nvPr/>
+        </p:nvCxnSpPr>
+        <p:spPr>
+          <a:xfrm>
+            <a:off x="0" y="522898"/>
+            <a:ext cx="4086225" cy="0"/>
+          </a:xfrm>
+          <a:prstGeom prst="line">
+            <a:avLst/>
+          </a:prstGeom>
+          <a:ln>
+            <a:solidFill>
+              <a:schemeClr val="accent3">
+                <a:lumMod val="50000"/>
+              </a:schemeClr>
+            </a:solidFill>
+            <a:tailEnd type="oval"/>
+          </a:ln>
+        </p:spPr>
+        <p:style>
+          <a:lnRef idx="1">
+            <a:schemeClr val="accent1"/>
+          </a:lnRef>
+          <a:fillRef idx="0">
+            <a:schemeClr val="accent1"/>
+          </a:fillRef>
+          <a:effectRef idx="0">
+            <a:schemeClr val="accent1"/>
+          </a:effectRef>
+          <a:fontRef idx="minor">
+            <a:schemeClr val="tx1"/>
+          </a:fontRef>
+        </p:style>
+      </p:cxnSp>
+      <p:sp>
+        <p:nvSpPr>
+          <p:cNvPr id="20" name="Retângulo: Cantos Arredondados 19">
+            <a:extLst>
+              <a:ext uri="{FF2B5EF4-FFF2-40B4-BE49-F238E27FC236}">
+                <a16:creationId xmlns:a16="http://schemas.microsoft.com/office/drawing/2014/main" id="{A3582320-2E76-4EE0-B969-C2FD85866EBF}"/>
+              </a:ext>
+            </a:extLst>
+          </p:cNvPr>
+          <p:cNvSpPr/>
+          <p:nvPr/>
+        </p:nvSpPr>
+        <p:spPr>
+          <a:xfrm>
+            <a:off x="3612243" y="1279692"/>
+            <a:ext cx="4967514" cy="664797"/>
+          </a:xfrm>
+          <a:prstGeom prst="roundRect">
+            <a:avLst/>
+          </a:prstGeom>
+          <a:solidFill>
+            <a:srgbClr val="BC1414"/>
+          </a:solidFill>
+          <a:ln>
+            <a:noFill/>
+          </a:ln>
+        </p:spPr>
+        <p:style>
+          <a:lnRef idx="2">
+            <a:schemeClr val="accent1">
+              <a:shade val="50000"/>
+            </a:schemeClr>
+          </a:lnRef>
+          <a:fillRef idx="1">
+            <a:schemeClr val="accent1"/>
+          </a:fillRef>
+          <a:effectRef idx="0">
+            <a:schemeClr val="accent1"/>
+          </a:effectRef>
+          <a:fontRef idx="minor">
+            <a:schemeClr val="lt1"/>
+          </a:fontRef>
+        </p:style>
+        <p:txBody>
+          <a:bodyPr rtlCol="0" anchor="ctr"/>
+          <a:lstStyle/>
+          <a:p>
+            <a:pPr algn="ctr" rtl="0"/>
+            <a:r>
+              <a:rPr lang="pt-BR" b="1" dirty="0">
+                <a:latin typeface="+mj-lt"/>
+              </a:rPr>
               <a:t>Arduino</a:t>
             </a:r>
           </a:p>
         </p:txBody>
       </p:sp>
+      <p:pic>
+        <p:nvPicPr>
+          <p:cNvPr id="2" name="Imagem 1">
+            <a:extLst>
+              <a:ext uri="{FF2B5EF4-FFF2-40B4-BE49-F238E27FC236}">
+                <a16:creationId xmlns:a16="http://schemas.microsoft.com/office/drawing/2014/main" id="{78499232-72CC-4A1B-A6D3-182C213151D5}"/>
+              </a:ext>
+            </a:extLst>
+          </p:cNvPr>
+          <p:cNvPicPr>
+            <a:picLocks noChangeAspect="1"/>
+          </p:cNvPicPr>
+          <p:nvPr/>
+        </p:nvPicPr>
+        <p:blipFill>
+          <a:blip r:embed="rId3"/>
+          <a:stretch>
+            <a:fillRect/>
+          </a:stretch>
+        </p:blipFill>
+        <p:spPr>
+          <a:xfrm>
+            <a:off x="3314700" y="2261801"/>
+            <a:ext cx="5562600" cy="4267200"/>
+          </a:xfrm>
+          <a:prstGeom prst="rect">
+            <a:avLst/>
+          </a:prstGeom>
+        </p:spPr>
+      </p:pic>
     </p:spTree>
     <p:extLst>
       <p:ext uri="{BB962C8B-B14F-4D97-AF65-F5344CB8AC3E}">
@@ -8720,7 +9186,7 @@
 </p:sld>
 </file>
 
-<file path=ppt/slides/slide13.xml><?xml version="1.0" encoding="utf-8"?>
+<file path=ppt/slides/slide14.xml><?xml version="1.0" encoding="utf-8"?>
 <p:sld xmlns:a="http://schemas.openxmlformats.org/drawingml/2006/main" xmlns:r="http://schemas.openxmlformats.org/officeDocument/2006/relationships" xmlns:p="http://schemas.openxmlformats.org/presentationml/2006/main">
   <p:cSld>
     <p:spTree>
@@ -9240,7 +9706,7 @@
 </p:sld>
 </file>
 
-<file path=ppt/slides/slide14.xml><?xml version="1.0" encoding="utf-8"?>
+<file path=ppt/slides/slide15.xml><?xml version="1.0" encoding="utf-8"?>
 <p:sld xmlns:a="http://schemas.openxmlformats.org/drawingml/2006/main" xmlns:r="http://schemas.openxmlformats.org/officeDocument/2006/relationships" xmlns:p="http://schemas.openxmlformats.org/presentationml/2006/main">
   <p:cSld>
     <p:spTree>
@@ -9514,7 +9980,7 @@
 </p:sld>
 </file>
 
-<file path=ppt/slides/slide15.xml><?xml version="1.0" encoding="utf-8"?>
+<file path=ppt/slides/slide16.xml><?xml version="1.0" encoding="utf-8"?>
 <p:sld xmlns:a="http://schemas.openxmlformats.org/drawingml/2006/main" xmlns:r="http://schemas.openxmlformats.org/officeDocument/2006/relationships" xmlns:p="http://schemas.openxmlformats.org/presentationml/2006/main">
   <p:cSld>
     <p:spTree>
@@ -9788,7 +10254,7 @@
 </p:sld>
 </file>
 
-<file path=ppt/slides/slide16.xml><?xml version="1.0" encoding="utf-8"?>
+<file path=ppt/slides/slide17.xml><?xml version="1.0" encoding="utf-8"?>
 <p:sld xmlns:a="http://schemas.openxmlformats.org/drawingml/2006/main" xmlns:r="http://schemas.openxmlformats.org/officeDocument/2006/relationships" xmlns:p="http://schemas.openxmlformats.org/presentationml/2006/main">
   <p:cSld>
     <p:bg>

--- a/Apresentação/SPRINT 2.pptx
+++ b/Apresentação/SPRINT 2.pptx
@@ -5,10 +5,10 @@
     <p:sldMasterId id="2147483648" r:id="rId1"/>
   </p:sldMasterIdLst>
   <p:notesMasterIdLst>
-    <p:notesMasterId r:id="rId19"/>
+    <p:notesMasterId r:id="rId17"/>
   </p:notesMasterIdLst>
   <p:handoutMasterIdLst>
-    <p:handoutMasterId r:id="rId20"/>
+    <p:handoutMasterId r:id="rId18"/>
   </p:handoutMasterIdLst>
   <p:sldIdLst>
     <p:sldId id="256" r:id="rId2"/>
@@ -25,9 +25,7 @@
     <p:sldId id="290" r:id="rId13"/>
     <p:sldId id="291" r:id="rId14"/>
     <p:sldId id="292" r:id="rId15"/>
-    <p:sldId id="293" r:id="rId16"/>
-    <p:sldId id="294" r:id="rId17"/>
-    <p:sldId id="285" r:id="rId18"/>
+    <p:sldId id="285" r:id="rId16"/>
   </p:sldIdLst>
   <p:sldSz cx="12192000" cy="6858000"/>
   <p:notesSz cx="6858000" cy="9144000"/>
@@ -2245,178 +2243,6 @@
             <a:fld id="{BE60DC36-8EFA-4378-9855-E019C55AC472}" type="slidenum">
               <a:rPr lang="pt-BR" smtClean="0"/>
               <a:t>15</a:t>
-            </a:fld>
-            <a:endParaRPr lang="pt-BR" dirty="0"/>
-          </a:p>
-        </p:txBody>
-      </p:sp>
-    </p:spTree>
-    <p:extLst>
-      <p:ext uri="{BB962C8B-B14F-4D97-AF65-F5344CB8AC3E}">
-        <p14:creationId xmlns:p14="http://schemas.microsoft.com/office/powerpoint/2010/main" val="13931859"/>
-      </p:ext>
-    </p:extLst>
-  </p:cSld>
-  <p:clrMapOvr>
-    <a:masterClrMapping/>
-  </p:clrMapOvr>
-</p:notes>
-</file>
-
-<file path=ppt/notesSlides/notesSlide16.xml><?xml version="1.0" encoding="utf-8"?>
-<p:notes xmlns:a="http://schemas.openxmlformats.org/drawingml/2006/main" xmlns:r="http://schemas.openxmlformats.org/officeDocument/2006/relationships" xmlns:p="http://schemas.openxmlformats.org/presentationml/2006/main">
-  <p:cSld>
-    <p:spTree>
-      <p:nvGrpSpPr>
-        <p:cNvPr id="1" name=""/>
-        <p:cNvGrpSpPr/>
-        <p:nvPr/>
-      </p:nvGrpSpPr>
-      <p:grpSpPr>
-        <a:xfrm>
-          <a:off x="0" y="0"/>
-          <a:ext cx="0" cy="0"/>
-          <a:chOff x="0" y="0"/>
-          <a:chExt cx="0" cy="0"/>
-        </a:xfrm>
-      </p:grpSpPr>
-      <p:sp>
-        <p:nvSpPr>
-          <p:cNvPr id="2" name="Espaço reservado para a imagem do slide 1"/>
-          <p:cNvSpPr>
-            <a:spLocks noGrp="1" noRot="1" noChangeAspect="1"/>
-          </p:cNvSpPr>
-          <p:nvPr>
-            <p:ph type="sldImg"/>
-          </p:nvPr>
-        </p:nvSpPr>
-        <p:spPr/>
-      </p:sp>
-      <p:sp>
-        <p:nvSpPr>
-          <p:cNvPr id="3" name="Espaço reservado para anotações 2"/>
-          <p:cNvSpPr>
-            <a:spLocks noGrp="1"/>
-          </p:cNvSpPr>
-          <p:nvPr>
-            <p:ph type="body" idx="1"/>
-          </p:nvPr>
-        </p:nvSpPr>
-        <p:spPr/>
-        <p:txBody>
-          <a:bodyPr rtlCol="0"/>
-          <a:lstStyle/>
-          <a:p>
-            <a:pPr rtl="0"/>
-            <a:endParaRPr lang="pt-BR" dirty="0"/>
-          </a:p>
-        </p:txBody>
-      </p:sp>
-      <p:sp>
-        <p:nvSpPr>
-          <p:cNvPr id="4" name="Espaço reservado para o número do slide 3"/>
-          <p:cNvSpPr>
-            <a:spLocks noGrp="1"/>
-          </p:cNvSpPr>
-          <p:nvPr>
-            <p:ph type="sldNum" sz="quarter" idx="5"/>
-          </p:nvPr>
-        </p:nvSpPr>
-        <p:spPr/>
-        <p:txBody>
-          <a:bodyPr rtlCol="0"/>
-          <a:lstStyle/>
-          <a:p>
-            <a:pPr rtl="0"/>
-            <a:fld id="{BE60DC36-8EFA-4378-9855-E019C55AC472}" type="slidenum">
-              <a:rPr lang="pt-BR" smtClean="0"/>
-              <a:t>16</a:t>
-            </a:fld>
-            <a:endParaRPr lang="pt-BR" dirty="0"/>
-          </a:p>
-        </p:txBody>
-      </p:sp>
-    </p:spTree>
-    <p:extLst>
-      <p:ext uri="{BB962C8B-B14F-4D97-AF65-F5344CB8AC3E}">
-        <p14:creationId xmlns:p14="http://schemas.microsoft.com/office/powerpoint/2010/main" val="4011925794"/>
-      </p:ext>
-    </p:extLst>
-  </p:cSld>
-  <p:clrMapOvr>
-    <a:masterClrMapping/>
-  </p:clrMapOvr>
-</p:notes>
-</file>
-
-<file path=ppt/notesSlides/notesSlide17.xml><?xml version="1.0" encoding="utf-8"?>
-<p:notes xmlns:a="http://schemas.openxmlformats.org/drawingml/2006/main" xmlns:r="http://schemas.openxmlformats.org/officeDocument/2006/relationships" xmlns:p="http://schemas.openxmlformats.org/presentationml/2006/main">
-  <p:cSld>
-    <p:spTree>
-      <p:nvGrpSpPr>
-        <p:cNvPr id="1" name=""/>
-        <p:cNvGrpSpPr/>
-        <p:nvPr/>
-      </p:nvGrpSpPr>
-      <p:grpSpPr>
-        <a:xfrm>
-          <a:off x="0" y="0"/>
-          <a:ext cx="0" cy="0"/>
-          <a:chOff x="0" y="0"/>
-          <a:chExt cx="0" cy="0"/>
-        </a:xfrm>
-      </p:grpSpPr>
-      <p:sp>
-        <p:nvSpPr>
-          <p:cNvPr id="2" name="Espaço reservado para a imagem do slide 1"/>
-          <p:cNvSpPr>
-            <a:spLocks noGrp="1" noRot="1" noChangeAspect="1"/>
-          </p:cNvSpPr>
-          <p:nvPr>
-            <p:ph type="sldImg"/>
-          </p:nvPr>
-        </p:nvSpPr>
-        <p:spPr/>
-      </p:sp>
-      <p:sp>
-        <p:nvSpPr>
-          <p:cNvPr id="3" name="Espaço reservado para anotações 2"/>
-          <p:cNvSpPr>
-            <a:spLocks noGrp="1"/>
-          </p:cNvSpPr>
-          <p:nvPr>
-            <p:ph type="body" idx="1"/>
-          </p:nvPr>
-        </p:nvSpPr>
-        <p:spPr/>
-        <p:txBody>
-          <a:bodyPr rtlCol="0"/>
-          <a:lstStyle/>
-          <a:p>
-            <a:pPr rtl="0"/>
-            <a:endParaRPr lang="pt-BR" dirty="0"/>
-          </a:p>
-        </p:txBody>
-      </p:sp>
-      <p:sp>
-        <p:nvSpPr>
-          <p:cNvPr id="4" name="Espaço reservado para o número do slide 3"/>
-          <p:cNvSpPr>
-            <a:spLocks noGrp="1"/>
-          </p:cNvSpPr>
-          <p:nvPr>
-            <p:ph type="sldNum" sz="quarter" idx="5"/>
-          </p:nvPr>
-        </p:nvSpPr>
-        <p:spPr/>
-        <p:txBody>
-          <a:bodyPr rtlCol="0"/>
-          <a:lstStyle/>
-          <a:p>
-            <a:pPr rtl="0"/>
-            <a:fld id="{BE60DC36-8EFA-4378-9855-E019C55AC472}" type="slidenum">
-              <a:rPr lang="pt-BR" smtClean="0"/>
-              <a:t>17</a:t>
             </a:fld>
             <a:endParaRPr lang="pt-BR" dirty="0"/>
           </a:p>
@@ -8861,8 +8687,8 @@
         </p:blipFill>
         <p:spPr>
           <a:xfrm>
-            <a:off x="228600" y="2591274"/>
-            <a:ext cx="11350304" cy="2685086"/>
+            <a:off x="1042725" y="2588723"/>
+            <a:ext cx="11149275" cy="2744262"/>
           </a:xfrm>
           <a:prstGeom prst="rect">
             <a:avLst/>
@@ -9707,554 +9533,6 @@
 </file>
 
 <file path=ppt/slides/slide15.xml><?xml version="1.0" encoding="utf-8"?>
-<p:sld xmlns:a="http://schemas.openxmlformats.org/drawingml/2006/main" xmlns:r="http://schemas.openxmlformats.org/officeDocument/2006/relationships" xmlns:p="http://schemas.openxmlformats.org/presentationml/2006/main">
-  <p:cSld>
-    <p:spTree>
-      <p:nvGrpSpPr>
-        <p:cNvPr id="1" name=""/>
-        <p:cNvGrpSpPr/>
-        <p:nvPr/>
-      </p:nvGrpSpPr>
-      <p:grpSpPr>
-        <a:xfrm>
-          <a:off x="0" y="0"/>
-          <a:ext cx="0" cy="0"/>
-          <a:chOff x="0" y="0"/>
-          <a:chExt cx="0" cy="0"/>
-        </a:xfrm>
-      </p:grpSpPr>
-      <p:sp>
-        <p:nvSpPr>
-          <p:cNvPr id="7" name="Título 6" hidden="1">
-            <a:extLst>
-              <a:ext uri="{FF2B5EF4-FFF2-40B4-BE49-F238E27FC236}">
-                <a16:creationId xmlns:a16="http://schemas.microsoft.com/office/drawing/2014/main" id="{A588A72A-976E-478A-9DD3-765AB3ED4CD0}"/>
-              </a:ext>
-            </a:extLst>
-          </p:cNvPr>
-          <p:cNvSpPr>
-            <a:spLocks noGrp="1"/>
-          </p:cNvSpPr>
-          <p:nvPr>
-            <p:ph type="title" idx="4294967295"/>
-          </p:nvPr>
-        </p:nvSpPr>
-        <p:spPr>
-          <a:xfrm>
-            <a:off x="0" y="365125"/>
-            <a:ext cx="10515600" cy="1325563"/>
-          </a:xfrm>
-        </p:spPr>
-        <p:txBody>
-          <a:bodyPr rtlCol="0"/>
-          <a:lstStyle/>
-          <a:p>
-            <a:r>
-              <a:rPr lang="pt-BR" dirty="0"/>
-              <a:t>Análise de projeto slide 8</a:t>
-            </a:r>
-            <a:endParaRPr lang="pt-br" dirty="0"/>
-          </a:p>
-        </p:txBody>
-      </p:sp>
-      <p:cxnSp>
-        <p:nvCxnSpPr>
-          <p:cNvPr id="8" name="Conector Reto 7">
-            <a:extLst>
-              <a:ext uri="{FF2B5EF4-FFF2-40B4-BE49-F238E27FC236}">
-                <a16:creationId xmlns:a16="http://schemas.microsoft.com/office/drawing/2014/main" id="{D0986099-F5F2-4E8B-BE17-81194861A00C}"/>
-              </a:ext>
-              <a:ext uri="{C183D7F6-B498-43B3-948B-1728B52AA6E4}">
-                <adec:decorative xmlns:adec="http://schemas.microsoft.com/office/drawing/2017/decorative" val="1"/>
-              </a:ext>
-            </a:extLst>
-          </p:cNvPr>
-          <p:cNvCxnSpPr>
-            <a:cxnSpLocks/>
-          </p:cNvCxnSpPr>
-          <p:nvPr/>
-        </p:nvCxnSpPr>
-        <p:spPr>
-          <a:xfrm>
-            <a:off x="8105775" y="522898"/>
-            <a:ext cx="4086225" cy="0"/>
-          </a:xfrm>
-          <a:prstGeom prst="line">
-            <a:avLst/>
-          </a:prstGeom>
-          <a:ln>
-            <a:solidFill>
-              <a:schemeClr val="accent3">
-                <a:lumMod val="50000"/>
-              </a:schemeClr>
-            </a:solidFill>
-            <a:headEnd type="oval"/>
-          </a:ln>
-        </p:spPr>
-        <p:style>
-          <a:lnRef idx="1">
-            <a:schemeClr val="accent1"/>
-          </a:lnRef>
-          <a:fillRef idx="0">
-            <a:schemeClr val="accent1"/>
-          </a:fillRef>
-          <a:effectRef idx="0">
-            <a:schemeClr val="accent1"/>
-          </a:effectRef>
-          <a:fontRef idx="minor">
-            <a:schemeClr val="tx1"/>
-          </a:fontRef>
-        </p:style>
-      </p:cxnSp>
-      <p:sp>
-        <p:nvSpPr>
-          <p:cNvPr id="11" name="Título 1">
-            <a:extLst>
-              <a:ext uri="{FF2B5EF4-FFF2-40B4-BE49-F238E27FC236}">
-                <a16:creationId xmlns:a16="http://schemas.microsoft.com/office/drawing/2014/main" id="{4E3F5479-058B-4FA8-92E9-18CAB8CDC5C5}"/>
-              </a:ext>
-            </a:extLst>
-          </p:cNvPr>
-          <p:cNvSpPr txBox="1">
-            <a:spLocks/>
-          </p:cNvSpPr>
-          <p:nvPr/>
-        </p:nvSpPr>
-        <p:spPr>
-          <a:xfrm>
-            <a:off x="228600" y="328999"/>
-            <a:ext cx="11734800" cy="387798"/>
-          </a:xfrm>
-          <a:prstGeom prst="rect">
-            <a:avLst/>
-          </a:prstGeom>
-        </p:spPr>
-        <p:txBody>
-          <a:bodyPr vert="horz" wrap="square" lIns="0" tIns="0" rIns="0" bIns="0" rtlCol="0" anchor="t">
-            <a:spAutoFit/>
-          </a:bodyPr>
-          <a:lstStyle>
-            <a:lvl1pPr algn="l" defTabSz="914400" rtl="0" eaLnBrk="1" latinLnBrk="0" hangingPunct="1">
-              <a:lnSpc>
-                <a:spcPct val="90000"/>
-              </a:lnSpc>
-              <a:spcBef>
-                <a:spcPct val="0"/>
-              </a:spcBef>
-              <a:buNone/>
-              <a:defRPr sz="4400" kern="1200">
-                <a:solidFill>
-                  <a:schemeClr val="tx1"/>
-                </a:solidFill>
-                <a:latin typeface="+mj-lt"/>
-                <a:ea typeface="+mj-ea"/>
-                <a:cs typeface="+mj-cs"/>
-              </a:defRPr>
-            </a:lvl1pPr>
-          </a:lstStyle>
-          <a:p>
-            <a:pPr algn="ctr" rtl="0"/>
-            <a:r>
-              <a:rPr lang="pt-BR" sz="2800" dirty="0"/>
-              <a:t>Sensor Vital</a:t>
-            </a:r>
-          </a:p>
-        </p:txBody>
-      </p:sp>
-      <p:cxnSp>
-        <p:nvCxnSpPr>
-          <p:cNvPr id="14" name="Conector Reto 13">
-            <a:extLst>
-              <a:ext uri="{FF2B5EF4-FFF2-40B4-BE49-F238E27FC236}">
-                <a16:creationId xmlns:a16="http://schemas.microsoft.com/office/drawing/2014/main" id="{83E690F4-843A-47A5-8620-4FB01C0D8E68}"/>
-              </a:ext>
-              <a:ext uri="{C183D7F6-B498-43B3-948B-1728B52AA6E4}">
-                <adec:decorative xmlns:adec="http://schemas.microsoft.com/office/drawing/2017/decorative" val="1"/>
-              </a:ext>
-            </a:extLst>
-          </p:cNvPr>
-          <p:cNvCxnSpPr>
-            <a:cxnSpLocks/>
-          </p:cNvCxnSpPr>
-          <p:nvPr/>
-        </p:nvCxnSpPr>
-        <p:spPr>
-          <a:xfrm>
-            <a:off x="0" y="522898"/>
-            <a:ext cx="4086225" cy="0"/>
-          </a:xfrm>
-          <a:prstGeom prst="line">
-            <a:avLst/>
-          </a:prstGeom>
-          <a:ln>
-            <a:solidFill>
-              <a:schemeClr val="accent3">
-                <a:lumMod val="50000"/>
-              </a:schemeClr>
-            </a:solidFill>
-            <a:tailEnd type="oval"/>
-          </a:ln>
-        </p:spPr>
-        <p:style>
-          <a:lnRef idx="1">
-            <a:schemeClr val="accent1"/>
-          </a:lnRef>
-          <a:fillRef idx="0">
-            <a:schemeClr val="accent1"/>
-          </a:fillRef>
-          <a:effectRef idx="0">
-            <a:schemeClr val="accent1"/>
-          </a:effectRef>
-          <a:fontRef idx="minor">
-            <a:schemeClr val="tx1"/>
-          </a:fontRef>
-        </p:style>
-      </p:cxnSp>
-      <p:sp>
-        <p:nvSpPr>
-          <p:cNvPr id="20" name="Retângulo: Cantos Arredondados 19">
-            <a:extLst>
-              <a:ext uri="{FF2B5EF4-FFF2-40B4-BE49-F238E27FC236}">
-                <a16:creationId xmlns:a16="http://schemas.microsoft.com/office/drawing/2014/main" id="{A3582320-2E76-4EE0-B969-C2FD85866EBF}"/>
-              </a:ext>
-            </a:extLst>
-          </p:cNvPr>
-          <p:cNvSpPr/>
-          <p:nvPr/>
-        </p:nvSpPr>
-        <p:spPr>
-          <a:xfrm>
-            <a:off x="3612243" y="1279692"/>
-            <a:ext cx="4967514" cy="664797"/>
-          </a:xfrm>
-          <a:prstGeom prst="roundRect">
-            <a:avLst/>
-          </a:prstGeom>
-          <a:solidFill>
-            <a:srgbClr val="BC1414"/>
-          </a:solidFill>
-          <a:ln>
-            <a:noFill/>
-          </a:ln>
-        </p:spPr>
-        <p:style>
-          <a:lnRef idx="2">
-            <a:schemeClr val="accent1">
-              <a:shade val="50000"/>
-            </a:schemeClr>
-          </a:lnRef>
-          <a:fillRef idx="1">
-            <a:schemeClr val="accent1"/>
-          </a:fillRef>
-          <a:effectRef idx="0">
-            <a:schemeClr val="accent1"/>
-          </a:effectRef>
-          <a:fontRef idx="minor">
-            <a:schemeClr val="lt1"/>
-          </a:fontRef>
-        </p:style>
-        <p:txBody>
-          <a:bodyPr rtlCol="0" anchor="ctr"/>
-          <a:lstStyle/>
-          <a:p>
-            <a:pPr algn="ctr" rtl="0"/>
-            <a:r>
-              <a:rPr lang="pt-BR" b="1" dirty="0">
-                <a:latin typeface="+mj-lt"/>
-              </a:rPr>
-              <a:t>BACKLOG</a:t>
-            </a:r>
-          </a:p>
-        </p:txBody>
-      </p:sp>
-    </p:spTree>
-    <p:extLst>
-      <p:ext uri="{BB962C8B-B14F-4D97-AF65-F5344CB8AC3E}">
-        <p14:creationId xmlns:p14="http://schemas.microsoft.com/office/powerpoint/2010/main" val="2816888523"/>
-      </p:ext>
-    </p:extLst>
-  </p:cSld>
-  <p:clrMapOvr>
-    <a:masterClrMapping/>
-  </p:clrMapOvr>
-</p:sld>
-</file>
-
-<file path=ppt/slides/slide16.xml><?xml version="1.0" encoding="utf-8"?>
-<p:sld xmlns:a="http://schemas.openxmlformats.org/drawingml/2006/main" xmlns:r="http://schemas.openxmlformats.org/officeDocument/2006/relationships" xmlns:p="http://schemas.openxmlformats.org/presentationml/2006/main">
-  <p:cSld>
-    <p:spTree>
-      <p:nvGrpSpPr>
-        <p:cNvPr id="1" name=""/>
-        <p:cNvGrpSpPr/>
-        <p:nvPr/>
-      </p:nvGrpSpPr>
-      <p:grpSpPr>
-        <a:xfrm>
-          <a:off x="0" y="0"/>
-          <a:ext cx="0" cy="0"/>
-          <a:chOff x="0" y="0"/>
-          <a:chExt cx="0" cy="0"/>
-        </a:xfrm>
-      </p:grpSpPr>
-      <p:sp>
-        <p:nvSpPr>
-          <p:cNvPr id="7" name="Título 6" hidden="1">
-            <a:extLst>
-              <a:ext uri="{FF2B5EF4-FFF2-40B4-BE49-F238E27FC236}">
-                <a16:creationId xmlns:a16="http://schemas.microsoft.com/office/drawing/2014/main" id="{A588A72A-976E-478A-9DD3-765AB3ED4CD0}"/>
-              </a:ext>
-            </a:extLst>
-          </p:cNvPr>
-          <p:cNvSpPr>
-            <a:spLocks noGrp="1"/>
-          </p:cNvSpPr>
-          <p:nvPr>
-            <p:ph type="title" idx="4294967295"/>
-          </p:nvPr>
-        </p:nvSpPr>
-        <p:spPr>
-          <a:xfrm>
-            <a:off x="0" y="365125"/>
-            <a:ext cx="10515600" cy="1325563"/>
-          </a:xfrm>
-        </p:spPr>
-        <p:txBody>
-          <a:bodyPr rtlCol="0"/>
-          <a:lstStyle/>
-          <a:p>
-            <a:r>
-              <a:rPr lang="pt-BR" dirty="0"/>
-              <a:t>Análise de projeto slide 8</a:t>
-            </a:r>
-            <a:endParaRPr lang="pt-br" dirty="0"/>
-          </a:p>
-        </p:txBody>
-      </p:sp>
-      <p:cxnSp>
-        <p:nvCxnSpPr>
-          <p:cNvPr id="8" name="Conector Reto 7">
-            <a:extLst>
-              <a:ext uri="{FF2B5EF4-FFF2-40B4-BE49-F238E27FC236}">
-                <a16:creationId xmlns:a16="http://schemas.microsoft.com/office/drawing/2014/main" id="{D0986099-F5F2-4E8B-BE17-81194861A00C}"/>
-              </a:ext>
-              <a:ext uri="{C183D7F6-B498-43B3-948B-1728B52AA6E4}">
-                <adec:decorative xmlns:adec="http://schemas.microsoft.com/office/drawing/2017/decorative" val="1"/>
-              </a:ext>
-            </a:extLst>
-          </p:cNvPr>
-          <p:cNvCxnSpPr>
-            <a:cxnSpLocks/>
-          </p:cNvCxnSpPr>
-          <p:nvPr/>
-        </p:nvCxnSpPr>
-        <p:spPr>
-          <a:xfrm>
-            <a:off x="8105775" y="522898"/>
-            <a:ext cx="4086225" cy="0"/>
-          </a:xfrm>
-          <a:prstGeom prst="line">
-            <a:avLst/>
-          </a:prstGeom>
-          <a:ln>
-            <a:solidFill>
-              <a:schemeClr val="accent3">
-                <a:lumMod val="50000"/>
-              </a:schemeClr>
-            </a:solidFill>
-            <a:headEnd type="oval"/>
-          </a:ln>
-        </p:spPr>
-        <p:style>
-          <a:lnRef idx="1">
-            <a:schemeClr val="accent1"/>
-          </a:lnRef>
-          <a:fillRef idx="0">
-            <a:schemeClr val="accent1"/>
-          </a:fillRef>
-          <a:effectRef idx="0">
-            <a:schemeClr val="accent1"/>
-          </a:effectRef>
-          <a:fontRef idx="minor">
-            <a:schemeClr val="tx1"/>
-          </a:fontRef>
-        </p:style>
-      </p:cxnSp>
-      <p:sp>
-        <p:nvSpPr>
-          <p:cNvPr id="11" name="Título 1">
-            <a:extLst>
-              <a:ext uri="{FF2B5EF4-FFF2-40B4-BE49-F238E27FC236}">
-                <a16:creationId xmlns:a16="http://schemas.microsoft.com/office/drawing/2014/main" id="{4E3F5479-058B-4FA8-92E9-18CAB8CDC5C5}"/>
-              </a:ext>
-            </a:extLst>
-          </p:cNvPr>
-          <p:cNvSpPr txBox="1">
-            <a:spLocks/>
-          </p:cNvSpPr>
-          <p:nvPr/>
-        </p:nvSpPr>
-        <p:spPr>
-          <a:xfrm>
-            <a:off x="228600" y="328999"/>
-            <a:ext cx="11734800" cy="387798"/>
-          </a:xfrm>
-          <a:prstGeom prst="rect">
-            <a:avLst/>
-          </a:prstGeom>
-        </p:spPr>
-        <p:txBody>
-          <a:bodyPr vert="horz" wrap="square" lIns="0" tIns="0" rIns="0" bIns="0" rtlCol="0" anchor="t">
-            <a:spAutoFit/>
-          </a:bodyPr>
-          <a:lstStyle>
-            <a:lvl1pPr algn="l" defTabSz="914400" rtl="0" eaLnBrk="1" latinLnBrk="0" hangingPunct="1">
-              <a:lnSpc>
-                <a:spcPct val="90000"/>
-              </a:lnSpc>
-              <a:spcBef>
-                <a:spcPct val="0"/>
-              </a:spcBef>
-              <a:buNone/>
-              <a:defRPr sz="4400" kern="1200">
-                <a:solidFill>
-                  <a:schemeClr val="tx1"/>
-                </a:solidFill>
-                <a:latin typeface="+mj-lt"/>
-                <a:ea typeface="+mj-ea"/>
-                <a:cs typeface="+mj-cs"/>
-              </a:defRPr>
-            </a:lvl1pPr>
-          </a:lstStyle>
-          <a:p>
-            <a:pPr algn="ctr" rtl="0"/>
-            <a:r>
-              <a:rPr lang="pt-BR" sz="2800" dirty="0"/>
-              <a:t>Sensor Vital</a:t>
-            </a:r>
-          </a:p>
-        </p:txBody>
-      </p:sp>
-      <p:cxnSp>
-        <p:nvCxnSpPr>
-          <p:cNvPr id="14" name="Conector Reto 13">
-            <a:extLst>
-              <a:ext uri="{FF2B5EF4-FFF2-40B4-BE49-F238E27FC236}">
-                <a16:creationId xmlns:a16="http://schemas.microsoft.com/office/drawing/2014/main" id="{83E690F4-843A-47A5-8620-4FB01C0D8E68}"/>
-              </a:ext>
-              <a:ext uri="{C183D7F6-B498-43B3-948B-1728B52AA6E4}">
-                <adec:decorative xmlns:adec="http://schemas.microsoft.com/office/drawing/2017/decorative" val="1"/>
-              </a:ext>
-            </a:extLst>
-          </p:cNvPr>
-          <p:cNvCxnSpPr>
-            <a:cxnSpLocks/>
-          </p:cNvCxnSpPr>
-          <p:nvPr/>
-        </p:nvCxnSpPr>
-        <p:spPr>
-          <a:xfrm>
-            <a:off x="0" y="522898"/>
-            <a:ext cx="4086225" cy="0"/>
-          </a:xfrm>
-          <a:prstGeom prst="line">
-            <a:avLst/>
-          </a:prstGeom>
-          <a:ln>
-            <a:solidFill>
-              <a:schemeClr val="accent3">
-                <a:lumMod val="50000"/>
-              </a:schemeClr>
-            </a:solidFill>
-            <a:tailEnd type="oval"/>
-          </a:ln>
-        </p:spPr>
-        <p:style>
-          <a:lnRef idx="1">
-            <a:schemeClr val="accent1"/>
-          </a:lnRef>
-          <a:fillRef idx="0">
-            <a:schemeClr val="accent1"/>
-          </a:fillRef>
-          <a:effectRef idx="0">
-            <a:schemeClr val="accent1"/>
-          </a:effectRef>
-          <a:fontRef idx="minor">
-            <a:schemeClr val="tx1"/>
-          </a:fontRef>
-        </p:style>
-      </p:cxnSp>
-      <p:sp>
-        <p:nvSpPr>
-          <p:cNvPr id="20" name="Retângulo: Cantos Arredondados 19">
-            <a:extLst>
-              <a:ext uri="{FF2B5EF4-FFF2-40B4-BE49-F238E27FC236}">
-                <a16:creationId xmlns:a16="http://schemas.microsoft.com/office/drawing/2014/main" id="{A3582320-2E76-4EE0-B969-C2FD85866EBF}"/>
-              </a:ext>
-            </a:extLst>
-          </p:cNvPr>
-          <p:cNvSpPr/>
-          <p:nvPr/>
-        </p:nvSpPr>
-        <p:spPr>
-          <a:xfrm>
-            <a:off x="3612243" y="1279692"/>
-            <a:ext cx="4967514" cy="664797"/>
-          </a:xfrm>
-          <a:prstGeom prst="roundRect">
-            <a:avLst/>
-          </a:prstGeom>
-          <a:solidFill>
-            <a:srgbClr val="BC1414"/>
-          </a:solidFill>
-          <a:ln>
-            <a:noFill/>
-          </a:ln>
-        </p:spPr>
-        <p:style>
-          <a:lnRef idx="2">
-            <a:schemeClr val="accent1">
-              <a:shade val="50000"/>
-            </a:schemeClr>
-          </a:lnRef>
-          <a:fillRef idx="1">
-            <a:schemeClr val="accent1"/>
-          </a:fillRef>
-          <a:effectRef idx="0">
-            <a:schemeClr val="accent1"/>
-          </a:effectRef>
-          <a:fontRef idx="minor">
-            <a:schemeClr val="lt1"/>
-          </a:fontRef>
-        </p:style>
-        <p:txBody>
-          <a:bodyPr rtlCol="0" anchor="ctr"/>
-          <a:lstStyle/>
-          <a:p>
-            <a:pPr algn="ctr" rtl="0"/>
-            <a:r>
-              <a:rPr lang="pt-BR" b="1" dirty="0">
-                <a:latin typeface="+mj-lt"/>
-              </a:rPr>
-              <a:t>BACKLOG</a:t>
-            </a:r>
-          </a:p>
-        </p:txBody>
-      </p:sp>
-    </p:spTree>
-    <p:extLst>
-      <p:ext uri="{BB962C8B-B14F-4D97-AF65-F5344CB8AC3E}">
-        <p14:creationId xmlns:p14="http://schemas.microsoft.com/office/powerpoint/2010/main" val="1875819989"/>
-      </p:ext>
-    </p:extLst>
-  </p:cSld>
-  <p:clrMapOvr>
-    <a:masterClrMapping/>
-  </p:clrMapOvr>
-</p:sld>
-</file>
-
-<file path=ppt/slides/slide17.xml><?xml version="1.0" encoding="utf-8"?>
 <p:sld xmlns:a="http://schemas.openxmlformats.org/drawingml/2006/main" xmlns:r="http://schemas.openxmlformats.org/officeDocument/2006/relationships" xmlns:p="http://schemas.openxmlformats.org/presentationml/2006/main">
   <p:cSld>
     <p:bg>

--- a/Apresentação/SPRINT 2.pptx
+++ b/Apresentação/SPRINT 2.pptx
@@ -18,12 +18,12 @@
     <p:sldId id="279" r:id="rId6"/>
     <p:sldId id="280" r:id="rId7"/>
     <p:sldId id="281" r:id="rId8"/>
-    <p:sldId id="283" r:id="rId9"/>
-    <p:sldId id="287" r:id="rId10"/>
-    <p:sldId id="295" r:id="rId11"/>
-    <p:sldId id="289" r:id="rId12"/>
-    <p:sldId id="290" r:id="rId13"/>
-    <p:sldId id="291" r:id="rId14"/>
+    <p:sldId id="287" r:id="rId9"/>
+    <p:sldId id="295" r:id="rId10"/>
+    <p:sldId id="289" r:id="rId11"/>
+    <p:sldId id="290" r:id="rId12"/>
+    <p:sldId id="291" r:id="rId13"/>
+    <p:sldId id="283" r:id="rId14"/>
     <p:sldId id="292" r:id="rId15"/>
     <p:sldId id="285" r:id="rId16"/>
   </p:sldIdLst>
@@ -1208,7 +1208,7 @@
             <a:pPr rtl="0"/>
             <a:fld id="{48348F61-903F-4A92-BD1D-F4D50DEE5616}" type="datetime1">
               <a:rPr lang="pt-BR" smtClean="0"/>
-              <a:t>27/04/2020</a:t>
+              <a:t>29/04/2020</a:t>
             </a:fld>
             <a:endParaRPr lang="pt-BR" dirty="0"/>
           </a:p>
@@ -1389,7 +1389,7 @@
             <a:fld id="{7F91DD10-601E-4934-9857-CBBA808B825D}" type="datetime1">
               <a:rPr lang="pt-BR" smtClean="0"/>
               <a:pPr/>
-              <a:t>27/04/2020</a:t>
+              <a:t>29/04/2020</a:t>
             </a:fld>
             <a:endParaRPr lang="pt-BR" dirty="0"/>
           </a:p>
@@ -1821,7 +1821,7 @@
     </p:spTree>
     <p:extLst>
       <p:ext uri="{BB962C8B-B14F-4D97-AF65-F5344CB8AC3E}">
-        <p14:creationId xmlns:p14="http://schemas.microsoft.com/office/powerpoint/2010/main" val="3995872455"/>
+        <p14:creationId xmlns:p14="http://schemas.microsoft.com/office/powerpoint/2010/main" val="756309723"/>
       </p:ext>
     </p:extLst>
   </p:cSld>
@@ -1907,7 +1907,7 @@
     </p:spTree>
     <p:extLst>
       <p:ext uri="{BB962C8B-B14F-4D97-AF65-F5344CB8AC3E}">
-        <p14:creationId xmlns:p14="http://schemas.microsoft.com/office/powerpoint/2010/main" val="756309723"/>
+        <p14:creationId xmlns:p14="http://schemas.microsoft.com/office/powerpoint/2010/main" val="4096705052"/>
       </p:ext>
     </p:extLst>
   </p:cSld>
@@ -1993,7 +1993,7 @@
     </p:spTree>
     <p:extLst>
       <p:ext uri="{BB962C8B-B14F-4D97-AF65-F5344CB8AC3E}">
-        <p14:creationId xmlns:p14="http://schemas.microsoft.com/office/powerpoint/2010/main" val="4096705052"/>
+        <p14:creationId xmlns:p14="http://schemas.microsoft.com/office/powerpoint/2010/main" val="411701937"/>
       </p:ext>
     </p:extLst>
   </p:cSld>
@@ -2079,7 +2079,7 @@
     </p:spTree>
     <p:extLst>
       <p:ext uri="{BB962C8B-B14F-4D97-AF65-F5344CB8AC3E}">
-        <p14:creationId xmlns:p14="http://schemas.microsoft.com/office/powerpoint/2010/main" val="411701937"/>
+        <p14:creationId xmlns:p14="http://schemas.microsoft.com/office/powerpoint/2010/main" val="3944230290"/>
       </p:ext>
     </p:extLst>
   </p:cSld>
@@ -2853,7 +2853,7 @@
     </p:spTree>
     <p:extLst>
       <p:ext uri="{BB962C8B-B14F-4D97-AF65-F5344CB8AC3E}">
-        <p14:creationId xmlns:p14="http://schemas.microsoft.com/office/powerpoint/2010/main" val="3944230290"/>
+        <p14:creationId xmlns:p14="http://schemas.microsoft.com/office/powerpoint/2010/main" val="250455128"/>
       </p:ext>
     </p:extLst>
   </p:cSld>
@@ -2939,7 +2939,7 @@
     </p:spTree>
     <p:extLst>
       <p:ext uri="{BB962C8B-B14F-4D97-AF65-F5344CB8AC3E}">
-        <p14:creationId xmlns:p14="http://schemas.microsoft.com/office/powerpoint/2010/main" val="250455128"/>
+        <p14:creationId xmlns:p14="http://schemas.microsoft.com/office/powerpoint/2010/main" val="3995872455"/>
       </p:ext>
     </p:extLst>
   </p:cSld>
@@ -3101,7 +3101,7 @@
             <a:pPr rtl="0"/>
             <a:fld id="{DCA197FC-5BCA-4F4D-9F82-64AFC200E358}" type="datetime1">
               <a:rPr lang="pt-BR" noProof="0" smtClean="0"/>
-              <a:t>27/04/2020</a:t>
+              <a:t>29/04/2020</a:t>
             </a:fld>
             <a:endParaRPr lang="pt-BR" noProof="0" dirty="0"/>
           </a:p>
@@ -3305,7 +3305,7 @@
             <a:pPr rtl="0"/>
             <a:fld id="{BC604A03-7973-4BC4-9222-74CFA49BB370}" type="datetime1">
               <a:rPr lang="pt-BR" noProof="0" smtClean="0"/>
-              <a:t>27/04/2020</a:t>
+              <a:t>29/04/2020</a:t>
             </a:fld>
             <a:endParaRPr lang="pt-BR" noProof="0" dirty="0"/>
           </a:p>
@@ -3519,7 +3519,7 @@
             <a:pPr rtl="0"/>
             <a:fld id="{2C130B9D-1A45-452F-AC16-D36CD5C4EA6A}" type="datetime1">
               <a:rPr lang="pt-BR" noProof="0" smtClean="0"/>
-              <a:t>27/04/2020</a:t>
+              <a:t>29/04/2020</a:t>
             </a:fld>
             <a:endParaRPr lang="pt-BR" noProof="0" dirty="0"/>
           </a:p>
@@ -3723,7 +3723,7 @@
             <a:pPr rtl="0"/>
             <a:fld id="{179EAAF2-1359-4DAA-92D0-EC18028594EE}" type="datetime1">
               <a:rPr lang="pt-BR" noProof="0" smtClean="0"/>
-              <a:t>27/04/2020</a:t>
+              <a:t>29/04/2020</a:t>
             </a:fld>
             <a:endParaRPr lang="pt-BR" noProof="0" dirty="0"/>
           </a:p>
@@ -4003,7 +4003,7 @@
             <a:pPr rtl="0"/>
             <a:fld id="{2A5E3AA6-3E77-4EDD-A5D3-91497A83F745}" type="datetime1">
               <a:rPr lang="pt-BR" noProof="0" smtClean="0"/>
-              <a:t>27/04/2020</a:t>
+              <a:t>29/04/2020</a:t>
             </a:fld>
             <a:endParaRPr lang="pt-BR" noProof="0" dirty="0"/>
           </a:p>
@@ -4275,7 +4275,7 @@
             <a:pPr rtl="0"/>
             <a:fld id="{0933B832-A218-4C52-AD98-17F0930C59CC}" type="datetime1">
               <a:rPr lang="pt-BR" noProof="0" smtClean="0"/>
-              <a:t>27/04/2020</a:t>
+              <a:t>29/04/2020</a:t>
             </a:fld>
             <a:endParaRPr lang="pt-BR" noProof="0" dirty="0"/>
           </a:p>
@@ -4694,7 +4694,7 @@
             <a:pPr rtl="0"/>
             <a:fld id="{8851457D-773F-4388-805A-0245A2DC7FA6}" type="datetime1">
               <a:rPr lang="pt-BR" noProof="0" smtClean="0"/>
-              <a:t>27/04/2020</a:t>
+              <a:t>29/04/2020</a:t>
             </a:fld>
             <a:endParaRPr lang="pt-BR" noProof="0" dirty="0"/>
           </a:p>
@@ -4840,7 +4840,7 @@
             <a:pPr rtl="0"/>
             <a:fld id="{E1BDAD40-2C61-41F0-AC0A-B8DA56506CF8}" type="datetime1">
               <a:rPr lang="pt-BR" noProof="0" smtClean="0"/>
-              <a:t>27/04/2020</a:t>
+              <a:t>29/04/2020</a:t>
             </a:fld>
             <a:endParaRPr lang="pt-BR" noProof="0" dirty="0"/>
           </a:p>
@@ -4956,7 +4956,7 @@
             <a:pPr rtl="0"/>
             <a:fld id="{335F0EE2-8399-4909-BF8E-74D816C91647}" type="datetime1">
               <a:rPr lang="pt-BR" noProof="0" smtClean="0"/>
-              <a:t>27/04/2020</a:t>
+              <a:t>29/04/2020</a:t>
             </a:fld>
             <a:endParaRPr lang="pt-BR" noProof="0" dirty="0"/>
           </a:p>
@@ -5273,7 +5273,7 @@
             <a:pPr rtl="0"/>
             <a:fld id="{7CC62C37-8077-44BC-A52B-E2531EDBA2DE}" type="datetime1">
               <a:rPr lang="pt-BR" noProof="0" smtClean="0"/>
-              <a:t>27/04/2020</a:t>
+              <a:t>29/04/2020</a:t>
             </a:fld>
             <a:endParaRPr lang="pt-BR" noProof="0" dirty="0"/>
           </a:p>
@@ -5571,7 +5571,7 @@
             <a:pPr rtl="0"/>
             <a:fld id="{7D4235C6-032F-4A2C-8BCF-60C0B3B0EFA5}" type="datetime1">
               <a:rPr lang="pt-BR" noProof="0" smtClean="0"/>
-              <a:t>27/04/2020</a:t>
+              <a:t>29/04/2020</a:t>
             </a:fld>
             <a:endParaRPr lang="pt-BR" noProof="0" dirty="0"/>
           </a:p>
@@ -5816,7 +5816,7 @@
             <a:pPr rtl="0"/>
             <a:fld id="{FEE00915-A8F3-468F-8237-A0B9291D1250}" type="datetime1">
               <a:rPr lang="pt-BR" noProof="0" smtClean="0"/>
-              <a:t>27/04/2020</a:t>
+              <a:t>29/04/2020</a:t>
             </a:fld>
             <a:endParaRPr lang="pt-BR" noProof="0" dirty="0"/>
           </a:p>
@@ -8014,310 +8014,6 @@
         </p:nvSpPr>
         <p:spPr>
           <a:xfrm>
-            <a:off x="3612243" y="1173241"/>
-            <a:ext cx="4967514" cy="664797"/>
-          </a:xfrm>
-          <a:prstGeom prst="roundRect">
-            <a:avLst/>
-          </a:prstGeom>
-          <a:solidFill>
-            <a:srgbClr val="BC1414"/>
-          </a:solidFill>
-          <a:ln>
-            <a:noFill/>
-          </a:ln>
-        </p:spPr>
-        <p:style>
-          <a:lnRef idx="2">
-            <a:schemeClr val="accent1">
-              <a:shade val="50000"/>
-            </a:schemeClr>
-          </a:lnRef>
-          <a:fillRef idx="1">
-            <a:schemeClr val="accent1"/>
-          </a:fillRef>
-          <a:effectRef idx="0">
-            <a:schemeClr val="accent1"/>
-          </a:effectRef>
-          <a:fontRef idx="minor">
-            <a:schemeClr val="lt1"/>
-          </a:fontRef>
-        </p:style>
-        <p:txBody>
-          <a:bodyPr rtlCol="0" anchor="ctr"/>
-          <a:lstStyle/>
-          <a:p>
-            <a:pPr algn="ctr" rtl="0"/>
-            <a:r>
-              <a:rPr lang="pt-BR" b="1" dirty="0">
-                <a:latin typeface="+mj-lt"/>
-              </a:rPr>
-              <a:t>Cadastro e login</a:t>
-            </a:r>
-          </a:p>
-        </p:txBody>
-      </p:sp>
-      <p:pic>
-        <p:nvPicPr>
-          <p:cNvPr id="2" name="Imagem 1">
-            <a:extLst>
-              <a:ext uri="{FF2B5EF4-FFF2-40B4-BE49-F238E27FC236}">
-                <a16:creationId xmlns:a16="http://schemas.microsoft.com/office/drawing/2014/main" id="{DB70DE85-FB90-4FF2-BC7A-F157CD6443D4}"/>
-              </a:ext>
-            </a:extLst>
-          </p:cNvPr>
-          <p:cNvPicPr>
-            <a:picLocks noChangeAspect="1"/>
-          </p:cNvPicPr>
-          <p:nvPr/>
-        </p:nvPicPr>
-        <p:blipFill>
-          <a:blip r:embed="rId3"/>
-          <a:stretch>
-            <a:fillRect/>
-          </a:stretch>
-        </p:blipFill>
-        <p:spPr>
-          <a:xfrm>
-            <a:off x="1342240" y="2031936"/>
-            <a:ext cx="9253056" cy="4694210"/>
-          </a:xfrm>
-          <a:prstGeom prst="rect">
-            <a:avLst/>
-          </a:prstGeom>
-        </p:spPr>
-      </p:pic>
-    </p:spTree>
-    <p:extLst>
-      <p:ext uri="{BB962C8B-B14F-4D97-AF65-F5344CB8AC3E}">
-        <p14:creationId xmlns:p14="http://schemas.microsoft.com/office/powerpoint/2010/main" val="3258170134"/>
-      </p:ext>
-    </p:extLst>
-  </p:cSld>
-  <p:clrMapOvr>
-    <a:masterClrMapping/>
-  </p:clrMapOvr>
-</p:sld>
-</file>
-
-<file path=ppt/slides/slide11.xml><?xml version="1.0" encoding="utf-8"?>
-<p:sld xmlns:a="http://schemas.openxmlformats.org/drawingml/2006/main" xmlns:r="http://schemas.openxmlformats.org/officeDocument/2006/relationships" xmlns:p="http://schemas.openxmlformats.org/presentationml/2006/main">
-  <p:cSld>
-    <p:spTree>
-      <p:nvGrpSpPr>
-        <p:cNvPr id="1" name=""/>
-        <p:cNvGrpSpPr/>
-        <p:nvPr/>
-      </p:nvGrpSpPr>
-      <p:grpSpPr>
-        <a:xfrm>
-          <a:off x="0" y="0"/>
-          <a:ext cx="0" cy="0"/>
-          <a:chOff x="0" y="0"/>
-          <a:chExt cx="0" cy="0"/>
-        </a:xfrm>
-      </p:grpSpPr>
-      <p:sp>
-        <p:nvSpPr>
-          <p:cNvPr id="7" name="Título 6" hidden="1">
-            <a:extLst>
-              <a:ext uri="{FF2B5EF4-FFF2-40B4-BE49-F238E27FC236}">
-                <a16:creationId xmlns:a16="http://schemas.microsoft.com/office/drawing/2014/main" id="{A588A72A-976E-478A-9DD3-765AB3ED4CD0}"/>
-              </a:ext>
-            </a:extLst>
-          </p:cNvPr>
-          <p:cNvSpPr>
-            <a:spLocks noGrp="1"/>
-          </p:cNvSpPr>
-          <p:nvPr>
-            <p:ph type="title" idx="4294967295"/>
-          </p:nvPr>
-        </p:nvSpPr>
-        <p:spPr>
-          <a:xfrm>
-            <a:off x="0" y="365125"/>
-            <a:ext cx="10515600" cy="1325563"/>
-          </a:xfrm>
-        </p:spPr>
-        <p:txBody>
-          <a:bodyPr rtlCol="0"/>
-          <a:lstStyle/>
-          <a:p>
-            <a:r>
-              <a:rPr lang="pt-BR" dirty="0"/>
-              <a:t>Análise de projeto slide 8</a:t>
-            </a:r>
-            <a:endParaRPr lang="pt-br" dirty="0"/>
-          </a:p>
-        </p:txBody>
-      </p:sp>
-      <p:cxnSp>
-        <p:nvCxnSpPr>
-          <p:cNvPr id="8" name="Conector Reto 7">
-            <a:extLst>
-              <a:ext uri="{FF2B5EF4-FFF2-40B4-BE49-F238E27FC236}">
-                <a16:creationId xmlns:a16="http://schemas.microsoft.com/office/drawing/2014/main" id="{D0986099-F5F2-4E8B-BE17-81194861A00C}"/>
-              </a:ext>
-              <a:ext uri="{C183D7F6-B498-43B3-948B-1728B52AA6E4}">
-                <adec:decorative xmlns:adec="http://schemas.microsoft.com/office/drawing/2017/decorative" val="1"/>
-              </a:ext>
-            </a:extLst>
-          </p:cNvPr>
-          <p:cNvCxnSpPr>
-            <a:cxnSpLocks/>
-          </p:cNvCxnSpPr>
-          <p:nvPr/>
-        </p:nvCxnSpPr>
-        <p:spPr>
-          <a:xfrm>
-            <a:off x="8105775" y="522898"/>
-            <a:ext cx="4086225" cy="0"/>
-          </a:xfrm>
-          <a:prstGeom prst="line">
-            <a:avLst/>
-          </a:prstGeom>
-          <a:ln>
-            <a:solidFill>
-              <a:schemeClr val="accent3">
-                <a:lumMod val="50000"/>
-              </a:schemeClr>
-            </a:solidFill>
-            <a:headEnd type="oval"/>
-          </a:ln>
-        </p:spPr>
-        <p:style>
-          <a:lnRef idx="1">
-            <a:schemeClr val="accent1"/>
-          </a:lnRef>
-          <a:fillRef idx="0">
-            <a:schemeClr val="accent1"/>
-          </a:fillRef>
-          <a:effectRef idx="0">
-            <a:schemeClr val="accent1"/>
-          </a:effectRef>
-          <a:fontRef idx="minor">
-            <a:schemeClr val="tx1"/>
-          </a:fontRef>
-        </p:style>
-      </p:cxnSp>
-      <p:sp>
-        <p:nvSpPr>
-          <p:cNvPr id="11" name="Título 1">
-            <a:extLst>
-              <a:ext uri="{FF2B5EF4-FFF2-40B4-BE49-F238E27FC236}">
-                <a16:creationId xmlns:a16="http://schemas.microsoft.com/office/drawing/2014/main" id="{4E3F5479-058B-4FA8-92E9-18CAB8CDC5C5}"/>
-              </a:ext>
-            </a:extLst>
-          </p:cNvPr>
-          <p:cNvSpPr txBox="1">
-            <a:spLocks/>
-          </p:cNvSpPr>
-          <p:nvPr/>
-        </p:nvSpPr>
-        <p:spPr>
-          <a:xfrm>
-            <a:off x="228600" y="328999"/>
-            <a:ext cx="11734800" cy="387798"/>
-          </a:xfrm>
-          <a:prstGeom prst="rect">
-            <a:avLst/>
-          </a:prstGeom>
-        </p:spPr>
-        <p:txBody>
-          <a:bodyPr vert="horz" wrap="square" lIns="0" tIns="0" rIns="0" bIns="0" rtlCol="0" anchor="t">
-            <a:spAutoFit/>
-          </a:bodyPr>
-          <a:lstStyle>
-            <a:lvl1pPr algn="l" defTabSz="914400" rtl="0" eaLnBrk="1" latinLnBrk="0" hangingPunct="1">
-              <a:lnSpc>
-                <a:spcPct val="90000"/>
-              </a:lnSpc>
-              <a:spcBef>
-                <a:spcPct val="0"/>
-              </a:spcBef>
-              <a:buNone/>
-              <a:defRPr sz="4400" kern="1200">
-                <a:solidFill>
-                  <a:schemeClr val="tx1"/>
-                </a:solidFill>
-                <a:latin typeface="+mj-lt"/>
-                <a:ea typeface="+mj-ea"/>
-                <a:cs typeface="+mj-cs"/>
-              </a:defRPr>
-            </a:lvl1pPr>
-          </a:lstStyle>
-          <a:p>
-            <a:pPr algn="ctr" rtl="0"/>
-            <a:r>
-              <a:rPr lang="pt-BR" sz="2800" dirty="0"/>
-              <a:t>Sensor Vital</a:t>
-            </a:r>
-          </a:p>
-        </p:txBody>
-      </p:sp>
-      <p:cxnSp>
-        <p:nvCxnSpPr>
-          <p:cNvPr id="14" name="Conector Reto 13">
-            <a:extLst>
-              <a:ext uri="{FF2B5EF4-FFF2-40B4-BE49-F238E27FC236}">
-                <a16:creationId xmlns:a16="http://schemas.microsoft.com/office/drawing/2014/main" id="{83E690F4-843A-47A5-8620-4FB01C0D8E68}"/>
-              </a:ext>
-              <a:ext uri="{C183D7F6-B498-43B3-948B-1728B52AA6E4}">
-                <adec:decorative xmlns:adec="http://schemas.microsoft.com/office/drawing/2017/decorative" val="1"/>
-              </a:ext>
-            </a:extLst>
-          </p:cNvPr>
-          <p:cNvCxnSpPr>
-            <a:cxnSpLocks/>
-          </p:cNvCxnSpPr>
-          <p:nvPr/>
-        </p:nvCxnSpPr>
-        <p:spPr>
-          <a:xfrm>
-            <a:off x="0" y="522898"/>
-            <a:ext cx="4086225" cy="0"/>
-          </a:xfrm>
-          <a:prstGeom prst="line">
-            <a:avLst/>
-          </a:prstGeom>
-          <a:ln>
-            <a:solidFill>
-              <a:schemeClr val="accent3">
-                <a:lumMod val="50000"/>
-              </a:schemeClr>
-            </a:solidFill>
-            <a:tailEnd type="oval"/>
-          </a:ln>
-        </p:spPr>
-        <p:style>
-          <a:lnRef idx="1">
-            <a:schemeClr val="accent1"/>
-          </a:lnRef>
-          <a:fillRef idx="0">
-            <a:schemeClr val="accent1"/>
-          </a:fillRef>
-          <a:effectRef idx="0">
-            <a:schemeClr val="accent1"/>
-          </a:effectRef>
-          <a:fontRef idx="minor">
-            <a:schemeClr val="tx1"/>
-          </a:fontRef>
-        </p:style>
-      </p:cxnSp>
-      <p:sp>
-        <p:nvSpPr>
-          <p:cNvPr id="20" name="Retângulo: Cantos Arredondados 19">
-            <a:extLst>
-              <a:ext uri="{FF2B5EF4-FFF2-40B4-BE49-F238E27FC236}">
-                <a16:creationId xmlns:a16="http://schemas.microsoft.com/office/drawing/2014/main" id="{A3582320-2E76-4EE0-B969-C2FD85866EBF}"/>
-              </a:ext>
-            </a:extLst>
-          </p:cNvPr>
-          <p:cNvSpPr/>
-          <p:nvPr/>
-        </p:nvSpPr>
-        <p:spPr>
-          <a:xfrm>
             <a:off x="3612243" y="1279692"/>
             <a:ext cx="4967514" cy="664797"/>
           </a:xfrm>
@@ -8404,7 +8100,7 @@
 </p:sld>
 </file>
 
-<file path=ppt/slides/slide12.xml><?xml version="1.0" encoding="utf-8"?>
+<file path=ppt/slides/slide11.xml><?xml version="1.0" encoding="utf-8"?>
 <p:sld xmlns:a="http://schemas.openxmlformats.org/drawingml/2006/main" xmlns:r="http://schemas.openxmlformats.org/officeDocument/2006/relationships" xmlns:p="http://schemas.openxmlformats.org/presentationml/2006/main">
   <p:cSld>
     <p:spTree>
@@ -8708,7 +8404,7 @@
 </p:sld>
 </file>
 
-<file path=ppt/slides/slide13.xml><?xml version="1.0" encoding="utf-8"?>
+<file path=ppt/slides/slide12.xml><?xml version="1.0" encoding="utf-8"?>
 <p:sld xmlns:a="http://schemas.openxmlformats.org/drawingml/2006/main" xmlns:r="http://schemas.openxmlformats.org/officeDocument/2006/relationships" xmlns:p="http://schemas.openxmlformats.org/presentationml/2006/main">
   <p:cSld>
     <p:spTree>
@@ -9003,6 +8699,349 @@
     <p:extLst>
       <p:ext uri="{BB962C8B-B14F-4D97-AF65-F5344CB8AC3E}">
         <p14:creationId xmlns:p14="http://schemas.microsoft.com/office/powerpoint/2010/main" val="3024494756"/>
+      </p:ext>
+    </p:extLst>
+  </p:cSld>
+  <p:clrMapOvr>
+    <a:masterClrMapping/>
+  </p:clrMapOvr>
+</p:sld>
+</file>
+
+<file path=ppt/slides/slide13.xml><?xml version="1.0" encoding="utf-8"?>
+<p:sld xmlns:a="http://schemas.openxmlformats.org/drawingml/2006/main" xmlns:r="http://schemas.openxmlformats.org/officeDocument/2006/relationships" xmlns:p="http://schemas.openxmlformats.org/presentationml/2006/main">
+  <p:cSld>
+    <p:spTree>
+      <p:nvGrpSpPr>
+        <p:cNvPr id="1" name=""/>
+        <p:cNvGrpSpPr/>
+        <p:nvPr/>
+      </p:nvGrpSpPr>
+      <p:grpSpPr>
+        <a:xfrm>
+          <a:off x="0" y="0"/>
+          <a:ext cx="0" cy="0"/>
+          <a:chOff x="0" y="0"/>
+          <a:chExt cx="0" cy="0"/>
+        </a:xfrm>
+      </p:grpSpPr>
+      <p:sp>
+        <p:nvSpPr>
+          <p:cNvPr id="7" name="Título 6" hidden="1">
+            <a:extLst>
+              <a:ext uri="{FF2B5EF4-FFF2-40B4-BE49-F238E27FC236}">
+                <a16:creationId xmlns:a16="http://schemas.microsoft.com/office/drawing/2014/main" id="{A588A72A-976E-478A-9DD3-765AB3ED4CD0}"/>
+              </a:ext>
+            </a:extLst>
+          </p:cNvPr>
+          <p:cNvSpPr>
+            <a:spLocks noGrp="1"/>
+          </p:cNvSpPr>
+          <p:nvPr>
+            <p:ph type="title" idx="4294967295"/>
+          </p:nvPr>
+        </p:nvSpPr>
+        <p:spPr>
+          <a:xfrm>
+            <a:off x="0" y="365125"/>
+            <a:ext cx="10515600" cy="1325563"/>
+          </a:xfrm>
+        </p:spPr>
+        <p:txBody>
+          <a:bodyPr rtlCol="0"/>
+          <a:lstStyle/>
+          <a:p>
+            <a:r>
+              <a:rPr lang="pt-BR" dirty="0"/>
+              <a:t>Análise de projeto slide 8</a:t>
+            </a:r>
+            <a:endParaRPr lang="pt-br" dirty="0"/>
+          </a:p>
+        </p:txBody>
+      </p:sp>
+      <p:cxnSp>
+        <p:nvCxnSpPr>
+          <p:cNvPr id="8" name="Conector Reto 7">
+            <a:extLst>
+              <a:ext uri="{FF2B5EF4-FFF2-40B4-BE49-F238E27FC236}">
+                <a16:creationId xmlns:a16="http://schemas.microsoft.com/office/drawing/2014/main" id="{D0986099-F5F2-4E8B-BE17-81194861A00C}"/>
+              </a:ext>
+              <a:ext uri="{C183D7F6-B498-43B3-948B-1728B52AA6E4}">
+                <adec:decorative xmlns:adec="http://schemas.microsoft.com/office/drawing/2017/decorative" val="1"/>
+              </a:ext>
+            </a:extLst>
+          </p:cNvPr>
+          <p:cNvCxnSpPr>
+            <a:cxnSpLocks/>
+          </p:cNvCxnSpPr>
+          <p:nvPr/>
+        </p:nvCxnSpPr>
+        <p:spPr>
+          <a:xfrm>
+            <a:off x="8105775" y="522898"/>
+            <a:ext cx="4086225" cy="0"/>
+          </a:xfrm>
+          <a:prstGeom prst="line">
+            <a:avLst/>
+          </a:prstGeom>
+          <a:ln>
+            <a:solidFill>
+              <a:schemeClr val="accent3">
+                <a:lumMod val="50000"/>
+              </a:schemeClr>
+            </a:solidFill>
+            <a:headEnd type="oval"/>
+          </a:ln>
+        </p:spPr>
+        <p:style>
+          <a:lnRef idx="1">
+            <a:schemeClr val="accent1"/>
+          </a:lnRef>
+          <a:fillRef idx="0">
+            <a:schemeClr val="accent1"/>
+          </a:fillRef>
+          <a:effectRef idx="0">
+            <a:schemeClr val="accent1"/>
+          </a:effectRef>
+          <a:fontRef idx="minor">
+            <a:schemeClr val="tx1"/>
+          </a:fontRef>
+        </p:style>
+      </p:cxnSp>
+      <p:sp>
+        <p:nvSpPr>
+          <p:cNvPr id="11" name="Título 1">
+            <a:extLst>
+              <a:ext uri="{FF2B5EF4-FFF2-40B4-BE49-F238E27FC236}">
+                <a16:creationId xmlns:a16="http://schemas.microsoft.com/office/drawing/2014/main" id="{4E3F5479-058B-4FA8-92E9-18CAB8CDC5C5}"/>
+              </a:ext>
+            </a:extLst>
+          </p:cNvPr>
+          <p:cNvSpPr txBox="1">
+            <a:spLocks/>
+          </p:cNvSpPr>
+          <p:nvPr/>
+        </p:nvSpPr>
+        <p:spPr>
+          <a:xfrm>
+            <a:off x="228600" y="328999"/>
+            <a:ext cx="11734800" cy="387798"/>
+          </a:xfrm>
+          <a:prstGeom prst="rect">
+            <a:avLst/>
+          </a:prstGeom>
+        </p:spPr>
+        <p:txBody>
+          <a:bodyPr vert="horz" wrap="square" lIns="0" tIns="0" rIns="0" bIns="0" rtlCol="0" anchor="t">
+            <a:spAutoFit/>
+          </a:bodyPr>
+          <a:lstStyle>
+            <a:lvl1pPr algn="l" defTabSz="914400" rtl="0" eaLnBrk="1" latinLnBrk="0" hangingPunct="1">
+              <a:lnSpc>
+                <a:spcPct val="90000"/>
+              </a:lnSpc>
+              <a:spcBef>
+                <a:spcPct val="0"/>
+              </a:spcBef>
+              <a:buNone/>
+              <a:defRPr sz="4400" kern="1200">
+                <a:solidFill>
+                  <a:schemeClr val="tx1"/>
+                </a:solidFill>
+                <a:latin typeface="+mj-lt"/>
+                <a:ea typeface="+mj-ea"/>
+                <a:cs typeface="+mj-cs"/>
+              </a:defRPr>
+            </a:lvl1pPr>
+          </a:lstStyle>
+          <a:p>
+            <a:pPr algn="ctr" rtl="0"/>
+            <a:r>
+              <a:rPr lang="pt-BR" sz="2800" dirty="0"/>
+              <a:t>Sensor Vital</a:t>
+            </a:r>
+          </a:p>
+        </p:txBody>
+      </p:sp>
+      <p:cxnSp>
+        <p:nvCxnSpPr>
+          <p:cNvPr id="14" name="Conector Reto 13">
+            <a:extLst>
+              <a:ext uri="{FF2B5EF4-FFF2-40B4-BE49-F238E27FC236}">
+                <a16:creationId xmlns:a16="http://schemas.microsoft.com/office/drawing/2014/main" id="{83E690F4-843A-47A5-8620-4FB01C0D8E68}"/>
+              </a:ext>
+              <a:ext uri="{C183D7F6-B498-43B3-948B-1728B52AA6E4}">
+                <adec:decorative xmlns:adec="http://schemas.microsoft.com/office/drawing/2017/decorative" val="1"/>
+              </a:ext>
+            </a:extLst>
+          </p:cNvPr>
+          <p:cNvCxnSpPr>
+            <a:cxnSpLocks/>
+          </p:cNvCxnSpPr>
+          <p:nvPr/>
+        </p:nvCxnSpPr>
+        <p:spPr>
+          <a:xfrm>
+            <a:off x="0" y="522898"/>
+            <a:ext cx="4086225" cy="0"/>
+          </a:xfrm>
+          <a:prstGeom prst="line">
+            <a:avLst/>
+          </a:prstGeom>
+          <a:ln>
+            <a:solidFill>
+              <a:schemeClr val="accent3">
+                <a:lumMod val="50000"/>
+              </a:schemeClr>
+            </a:solidFill>
+            <a:tailEnd type="oval"/>
+          </a:ln>
+        </p:spPr>
+        <p:style>
+          <a:lnRef idx="1">
+            <a:schemeClr val="accent1"/>
+          </a:lnRef>
+          <a:fillRef idx="0">
+            <a:schemeClr val="accent1"/>
+          </a:fillRef>
+          <a:effectRef idx="0">
+            <a:schemeClr val="accent1"/>
+          </a:effectRef>
+          <a:fontRef idx="minor">
+            <a:schemeClr val="tx1"/>
+          </a:fontRef>
+        </p:style>
+      </p:cxnSp>
+      <p:sp>
+        <p:nvSpPr>
+          <p:cNvPr id="20" name="Retângulo: Cantos Arredondados 19">
+            <a:extLst>
+              <a:ext uri="{FF2B5EF4-FFF2-40B4-BE49-F238E27FC236}">
+                <a16:creationId xmlns:a16="http://schemas.microsoft.com/office/drawing/2014/main" id="{A3582320-2E76-4EE0-B969-C2FD85866EBF}"/>
+              </a:ext>
+            </a:extLst>
+          </p:cNvPr>
+          <p:cNvSpPr/>
+          <p:nvPr/>
+        </p:nvSpPr>
+        <p:spPr>
+          <a:xfrm>
+            <a:off x="3612243" y="1279692"/>
+            <a:ext cx="4967514" cy="664797"/>
+          </a:xfrm>
+          <a:prstGeom prst="roundRect">
+            <a:avLst/>
+          </a:prstGeom>
+          <a:solidFill>
+            <a:srgbClr val="BC1414"/>
+          </a:solidFill>
+          <a:ln>
+            <a:noFill/>
+          </a:ln>
+        </p:spPr>
+        <p:style>
+          <a:lnRef idx="2">
+            <a:schemeClr val="accent1">
+              <a:shade val="50000"/>
+            </a:schemeClr>
+          </a:lnRef>
+          <a:fillRef idx="1">
+            <a:schemeClr val="accent1"/>
+          </a:fillRef>
+          <a:effectRef idx="0">
+            <a:schemeClr val="accent1"/>
+          </a:effectRef>
+          <a:fontRef idx="minor">
+            <a:schemeClr val="lt1"/>
+          </a:fontRef>
+        </p:style>
+        <p:txBody>
+          <a:bodyPr rtlCol="0" anchor="ctr"/>
+          <a:lstStyle/>
+          <a:p>
+            <a:pPr algn="ctr" rtl="0"/>
+            <a:r>
+              <a:rPr lang="pt-BR" b="1" dirty="0">
+                <a:latin typeface="+mj-lt"/>
+              </a:rPr>
+              <a:t>BACKLOG</a:t>
+            </a:r>
+          </a:p>
+        </p:txBody>
+      </p:sp>
+      <p:sp>
+        <p:nvSpPr>
+          <p:cNvPr id="3" name="CaixaDeTexto 2">
+            <a:extLst>
+              <a:ext uri="{FF2B5EF4-FFF2-40B4-BE49-F238E27FC236}">
+                <a16:creationId xmlns:a16="http://schemas.microsoft.com/office/drawing/2014/main" id="{0D7BA019-E944-43E3-9EB7-C5EDEF897408}"/>
+              </a:ext>
+            </a:extLst>
+          </p:cNvPr>
+          <p:cNvSpPr txBox="1"/>
+          <p:nvPr/>
+        </p:nvSpPr>
+        <p:spPr>
+          <a:xfrm>
+            <a:off x="228600" y="2507384"/>
+            <a:ext cx="5013424" cy="369332"/>
+          </a:xfrm>
+          <a:prstGeom prst="rect">
+            <a:avLst/>
+          </a:prstGeom>
+          <a:noFill/>
+        </p:spPr>
+        <p:txBody>
+          <a:bodyPr wrap="none" rtlCol="0">
+            <a:spAutoFit/>
+          </a:bodyPr>
+          <a:lstStyle/>
+          <a:p>
+            <a:pPr marL="285750" indent="-285750">
+              <a:buFont typeface="Arial" panose="020B0604020202020204" pitchFamily="34" charset="0"/>
+              <a:buChar char="•"/>
+            </a:pPr>
+            <a:r>
+              <a:rPr lang="pt-BR" b="1" dirty="0"/>
+              <a:t>Dividimos em desejável, essencial e importante</a:t>
+            </a:r>
+          </a:p>
+        </p:txBody>
+      </p:sp>
+      <p:pic>
+        <p:nvPicPr>
+          <p:cNvPr id="4" name="Imagem 3">
+            <a:extLst>
+              <a:ext uri="{FF2B5EF4-FFF2-40B4-BE49-F238E27FC236}">
+                <a16:creationId xmlns:a16="http://schemas.microsoft.com/office/drawing/2014/main" id="{A939D25F-E074-4C10-A8E2-925BBD7C2298}"/>
+              </a:ext>
+            </a:extLst>
+          </p:cNvPr>
+          <p:cNvPicPr>
+            <a:picLocks noChangeAspect="1"/>
+          </p:cNvPicPr>
+          <p:nvPr/>
+        </p:nvPicPr>
+        <p:blipFill>
+          <a:blip r:embed="rId3"/>
+          <a:stretch>
+            <a:fillRect/>
+          </a:stretch>
+        </p:blipFill>
+        <p:spPr>
+          <a:xfrm>
+            <a:off x="1677797" y="3067962"/>
+            <a:ext cx="9221336" cy="3267140"/>
+          </a:xfrm>
+          <a:prstGeom prst="rect">
+            <a:avLst/>
+          </a:prstGeom>
+        </p:spPr>
+      </p:pic>
+    </p:spTree>
+    <p:extLst>
+      <p:ext uri="{BB962C8B-B14F-4D97-AF65-F5344CB8AC3E}">
+        <p14:creationId xmlns:p14="http://schemas.microsoft.com/office/powerpoint/2010/main" val="727364193"/>
       </p:ext>
     </p:extLst>
   </p:cSld>
@@ -27584,7 +27623,7 @@
         </p:nvSpPr>
         <p:spPr>
           <a:xfrm>
-            <a:off x="3612243" y="1279692"/>
+            <a:off x="3612243" y="1145468"/>
             <a:ext cx="4967514" cy="664797"/>
           </a:xfrm>
           <a:prstGeom prst="roundRect">
@@ -27622,56 +27661,17 @@
               <a:rPr lang="pt-BR" b="1" dirty="0">
                 <a:latin typeface="+mj-lt"/>
               </a:rPr>
-              <a:t>BACKLOG</a:t>
-            </a:r>
-          </a:p>
-        </p:txBody>
-      </p:sp>
-      <p:sp>
-        <p:nvSpPr>
-          <p:cNvPr id="3" name="CaixaDeTexto 2">
-            <a:extLst>
-              <a:ext uri="{FF2B5EF4-FFF2-40B4-BE49-F238E27FC236}">
-                <a16:creationId xmlns:a16="http://schemas.microsoft.com/office/drawing/2014/main" id="{0D7BA019-E944-43E3-9EB7-C5EDEF897408}"/>
-              </a:ext>
-            </a:extLst>
-          </p:cNvPr>
-          <p:cNvSpPr txBox="1"/>
-          <p:nvPr/>
-        </p:nvSpPr>
-        <p:spPr>
-          <a:xfrm>
-            <a:off x="228600" y="2507384"/>
-            <a:ext cx="5013424" cy="369332"/>
-          </a:xfrm>
-          <a:prstGeom prst="rect">
-            <a:avLst/>
-          </a:prstGeom>
-          <a:noFill/>
-        </p:spPr>
-        <p:txBody>
-          <a:bodyPr wrap="none" rtlCol="0">
-            <a:spAutoFit/>
-          </a:bodyPr>
-          <a:lstStyle/>
-          <a:p>
-            <a:pPr marL="285750" indent="-285750">
-              <a:buFont typeface="Arial" panose="020B0604020202020204" pitchFamily="34" charset="0"/>
-              <a:buChar char="•"/>
-            </a:pPr>
-            <a:r>
-              <a:rPr lang="pt-BR" b="1" dirty="0"/>
-              <a:t>Dividimos em desejável, essencial e importante</a:t>
+              <a:t>Protótipo do Site</a:t>
             </a:r>
           </a:p>
         </p:txBody>
       </p:sp>
       <p:pic>
         <p:nvPicPr>
-          <p:cNvPr id="4" name="Imagem 3">
+          <p:cNvPr id="2" name="Imagem 1">
             <a:extLst>
               <a:ext uri="{FF2B5EF4-FFF2-40B4-BE49-F238E27FC236}">
-                <a16:creationId xmlns:a16="http://schemas.microsoft.com/office/drawing/2014/main" id="{A939D25F-E074-4C10-A8E2-925BBD7C2298}"/>
+                <a16:creationId xmlns:a16="http://schemas.microsoft.com/office/drawing/2014/main" id="{3C5DB05C-6B28-4EB4-BC3F-51DCC41E8294}"/>
               </a:ext>
             </a:extLst>
           </p:cNvPr>
@@ -27688,8 +27688,8 @@
         </p:blipFill>
         <p:spPr>
           <a:xfrm>
-            <a:off x="1677797" y="3067962"/>
-            <a:ext cx="9221336" cy="3267140"/>
+            <a:off x="1845578" y="2087647"/>
+            <a:ext cx="8690994" cy="4441354"/>
           </a:xfrm>
           <a:prstGeom prst="rect">
             <a:avLst/>
@@ -27699,7 +27699,7 @@
     </p:spTree>
     <p:extLst>
       <p:ext uri="{BB962C8B-B14F-4D97-AF65-F5344CB8AC3E}">
-        <p14:creationId xmlns:p14="http://schemas.microsoft.com/office/powerpoint/2010/main" val="727364193"/>
+        <p14:creationId xmlns:p14="http://schemas.microsoft.com/office/powerpoint/2010/main" val="1771814703"/>
       </p:ext>
     </p:extLst>
   </p:cSld>
@@ -27927,7 +27927,7 @@
         </p:nvSpPr>
         <p:spPr>
           <a:xfrm>
-            <a:off x="3612243" y="1145468"/>
+            <a:off x="3612243" y="1173241"/>
             <a:ext cx="4967514" cy="664797"/>
           </a:xfrm>
           <a:prstGeom prst="roundRect">
@@ -27965,7 +27965,7 @@
               <a:rPr lang="pt-BR" b="1" dirty="0">
                 <a:latin typeface="+mj-lt"/>
               </a:rPr>
-              <a:t>Protótipo do Site</a:t>
+              <a:t>Cadastro e login</a:t>
             </a:r>
           </a:p>
         </p:txBody>
@@ -27975,7 +27975,7 @@
           <p:cNvPr id="2" name="Imagem 1">
             <a:extLst>
               <a:ext uri="{FF2B5EF4-FFF2-40B4-BE49-F238E27FC236}">
-                <a16:creationId xmlns:a16="http://schemas.microsoft.com/office/drawing/2014/main" id="{3C5DB05C-6B28-4EB4-BC3F-51DCC41E8294}"/>
+                <a16:creationId xmlns:a16="http://schemas.microsoft.com/office/drawing/2014/main" id="{DB70DE85-FB90-4FF2-BC7A-F157CD6443D4}"/>
               </a:ext>
             </a:extLst>
           </p:cNvPr>
@@ -27992,8 +27992,8 @@
         </p:blipFill>
         <p:spPr>
           <a:xfrm>
-            <a:off x="1845578" y="2087647"/>
-            <a:ext cx="8690994" cy="4441354"/>
+            <a:off x="1342240" y="2031936"/>
+            <a:ext cx="9253056" cy="4694210"/>
           </a:xfrm>
           <a:prstGeom prst="rect">
             <a:avLst/>
@@ -28003,7 +28003,7 @@
     </p:spTree>
     <p:extLst>
       <p:ext uri="{BB962C8B-B14F-4D97-AF65-F5344CB8AC3E}">
-        <p14:creationId xmlns:p14="http://schemas.microsoft.com/office/powerpoint/2010/main" val="1771814703"/>
+        <p14:creationId xmlns:p14="http://schemas.microsoft.com/office/powerpoint/2010/main" val="3258170134"/>
       </p:ext>
     </p:extLst>
   </p:cSld>

--- a/Apresentação/SPRINT 2.pptx
+++ b/Apresentação/SPRINT 2.pptx
@@ -5,10 +5,10 @@
     <p:sldMasterId id="2147483648" r:id="rId1"/>
   </p:sldMasterIdLst>
   <p:notesMasterIdLst>
-    <p:notesMasterId r:id="rId17"/>
+    <p:notesMasterId r:id="rId18"/>
   </p:notesMasterIdLst>
   <p:handoutMasterIdLst>
-    <p:handoutMasterId r:id="rId18"/>
+    <p:handoutMasterId r:id="rId19"/>
   </p:handoutMasterIdLst>
   <p:sldIdLst>
     <p:sldId id="256" r:id="rId2"/>
@@ -16,16 +16,17 @@
     <p:sldId id="277" r:id="rId4"/>
     <p:sldId id="278" r:id="rId5"/>
     <p:sldId id="279" r:id="rId6"/>
-    <p:sldId id="280" r:id="rId7"/>
-    <p:sldId id="281" r:id="rId8"/>
-    <p:sldId id="287" r:id="rId9"/>
-    <p:sldId id="295" r:id="rId10"/>
-    <p:sldId id="289" r:id="rId11"/>
-    <p:sldId id="290" r:id="rId12"/>
-    <p:sldId id="291" r:id="rId13"/>
-    <p:sldId id="283" r:id="rId14"/>
-    <p:sldId id="292" r:id="rId15"/>
-    <p:sldId id="285" r:id="rId16"/>
+    <p:sldId id="296" r:id="rId7"/>
+    <p:sldId id="280" r:id="rId8"/>
+    <p:sldId id="281" r:id="rId9"/>
+    <p:sldId id="287" r:id="rId10"/>
+    <p:sldId id="295" r:id="rId11"/>
+    <p:sldId id="289" r:id="rId12"/>
+    <p:sldId id="290" r:id="rId13"/>
+    <p:sldId id="291" r:id="rId14"/>
+    <p:sldId id="283" r:id="rId15"/>
+    <p:sldId id="292" r:id="rId16"/>
+    <p:sldId id="285" r:id="rId17"/>
   </p:sldIdLst>
   <p:sldSz cx="12192000" cy="6858000"/>
   <p:notesSz cx="6858000" cy="9144000"/>
@@ -1208,7 +1209,7 @@
             <a:pPr rtl="0"/>
             <a:fld id="{48348F61-903F-4A92-BD1D-F4D50DEE5616}" type="datetime1">
               <a:rPr lang="pt-BR" smtClean="0"/>
-              <a:t>29/04/2020</a:t>
+              <a:t>03/05/2020</a:t>
             </a:fld>
             <a:endParaRPr lang="pt-BR" dirty="0"/>
           </a:p>
@@ -1389,7 +1390,7 @@
             <a:fld id="{7F91DD10-601E-4934-9857-CBBA808B825D}" type="datetime1">
               <a:rPr lang="pt-BR" smtClean="0"/>
               <a:pPr/>
-              <a:t>29/04/2020</a:t>
+              <a:t>03/05/2020</a:t>
             </a:fld>
             <a:endParaRPr lang="pt-BR" dirty="0"/>
           </a:p>
@@ -1821,7 +1822,7 @@
     </p:spTree>
     <p:extLst>
       <p:ext uri="{BB962C8B-B14F-4D97-AF65-F5344CB8AC3E}">
-        <p14:creationId xmlns:p14="http://schemas.microsoft.com/office/powerpoint/2010/main" val="756309723"/>
+        <p14:creationId xmlns:p14="http://schemas.microsoft.com/office/powerpoint/2010/main" val="3995872455"/>
       </p:ext>
     </p:extLst>
   </p:cSld>
@@ -1907,7 +1908,7 @@
     </p:spTree>
     <p:extLst>
       <p:ext uri="{BB962C8B-B14F-4D97-AF65-F5344CB8AC3E}">
-        <p14:creationId xmlns:p14="http://schemas.microsoft.com/office/powerpoint/2010/main" val="4096705052"/>
+        <p14:creationId xmlns:p14="http://schemas.microsoft.com/office/powerpoint/2010/main" val="756309723"/>
       </p:ext>
     </p:extLst>
   </p:cSld>
@@ -1993,7 +1994,7 @@
     </p:spTree>
     <p:extLst>
       <p:ext uri="{BB962C8B-B14F-4D97-AF65-F5344CB8AC3E}">
-        <p14:creationId xmlns:p14="http://schemas.microsoft.com/office/powerpoint/2010/main" val="411701937"/>
+        <p14:creationId xmlns:p14="http://schemas.microsoft.com/office/powerpoint/2010/main" val="4096705052"/>
       </p:ext>
     </p:extLst>
   </p:cSld>
@@ -2079,7 +2080,7 @@
     </p:spTree>
     <p:extLst>
       <p:ext uri="{BB962C8B-B14F-4D97-AF65-F5344CB8AC3E}">
-        <p14:creationId xmlns:p14="http://schemas.microsoft.com/office/powerpoint/2010/main" val="3944230290"/>
+        <p14:creationId xmlns:p14="http://schemas.microsoft.com/office/powerpoint/2010/main" val="411701937"/>
       </p:ext>
     </p:extLst>
   </p:cSld>
@@ -2165,7 +2166,7 @@
     </p:spTree>
     <p:extLst>
       <p:ext uri="{BB962C8B-B14F-4D97-AF65-F5344CB8AC3E}">
-        <p14:creationId xmlns:p14="http://schemas.microsoft.com/office/powerpoint/2010/main" val="4083429505"/>
+        <p14:creationId xmlns:p14="http://schemas.microsoft.com/office/powerpoint/2010/main" val="3944230290"/>
       </p:ext>
     </p:extLst>
   </p:cSld>
@@ -2243,6 +2244,92 @@
             <a:fld id="{BE60DC36-8EFA-4378-9855-E019C55AC472}" type="slidenum">
               <a:rPr lang="pt-BR" smtClean="0"/>
               <a:t>15</a:t>
+            </a:fld>
+            <a:endParaRPr lang="pt-BR" dirty="0"/>
+          </a:p>
+        </p:txBody>
+      </p:sp>
+    </p:spTree>
+    <p:extLst>
+      <p:ext uri="{BB962C8B-B14F-4D97-AF65-F5344CB8AC3E}">
+        <p14:creationId xmlns:p14="http://schemas.microsoft.com/office/powerpoint/2010/main" val="4083429505"/>
+      </p:ext>
+    </p:extLst>
+  </p:cSld>
+  <p:clrMapOvr>
+    <a:masterClrMapping/>
+  </p:clrMapOvr>
+</p:notes>
+</file>
+
+<file path=ppt/notesSlides/notesSlide16.xml><?xml version="1.0" encoding="utf-8"?>
+<p:notes xmlns:a="http://schemas.openxmlformats.org/drawingml/2006/main" xmlns:r="http://schemas.openxmlformats.org/officeDocument/2006/relationships" xmlns:p="http://schemas.openxmlformats.org/presentationml/2006/main">
+  <p:cSld>
+    <p:spTree>
+      <p:nvGrpSpPr>
+        <p:cNvPr id="1" name=""/>
+        <p:cNvGrpSpPr/>
+        <p:nvPr/>
+      </p:nvGrpSpPr>
+      <p:grpSpPr>
+        <a:xfrm>
+          <a:off x="0" y="0"/>
+          <a:ext cx="0" cy="0"/>
+          <a:chOff x="0" y="0"/>
+          <a:chExt cx="0" cy="0"/>
+        </a:xfrm>
+      </p:grpSpPr>
+      <p:sp>
+        <p:nvSpPr>
+          <p:cNvPr id="2" name="Espaço reservado para a imagem do slide 1"/>
+          <p:cNvSpPr>
+            <a:spLocks noGrp="1" noRot="1" noChangeAspect="1"/>
+          </p:cNvSpPr>
+          <p:nvPr>
+            <p:ph type="sldImg"/>
+          </p:nvPr>
+        </p:nvSpPr>
+        <p:spPr/>
+      </p:sp>
+      <p:sp>
+        <p:nvSpPr>
+          <p:cNvPr id="3" name="Espaço reservado para anotações 2"/>
+          <p:cNvSpPr>
+            <a:spLocks noGrp="1"/>
+          </p:cNvSpPr>
+          <p:nvPr>
+            <p:ph type="body" idx="1"/>
+          </p:nvPr>
+        </p:nvSpPr>
+        <p:spPr/>
+        <p:txBody>
+          <a:bodyPr rtlCol="0"/>
+          <a:lstStyle/>
+          <a:p>
+            <a:pPr rtl="0"/>
+            <a:endParaRPr lang="pt-BR" dirty="0"/>
+          </a:p>
+        </p:txBody>
+      </p:sp>
+      <p:sp>
+        <p:nvSpPr>
+          <p:cNvPr id="4" name="Espaço reservado para o número do slide 3"/>
+          <p:cNvSpPr>
+            <a:spLocks noGrp="1"/>
+          </p:cNvSpPr>
+          <p:nvPr>
+            <p:ph type="sldNum" sz="quarter" idx="5"/>
+          </p:nvPr>
+        </p:nvSpPr>
+        <p:spPr/>
+        <p:txBody>
+          <a:bodyPr rtlCol="0"/>
+          <a:lstStyle/>
+          <a:p>
+            <a:pPr rtl="0"/>
+            <a:fld id="{BE60DC36-8EFA-4378-9855-E019C55AC472}" type="slidenum">
+              <a:rPr lang="pt-BR" smtClean="0"/>
+              <a:t>16</a:t>
             </a:fld>
             <a:endParaRPr lang="pt-BR" dirty="0"/>
           </a:p>
@@ -2656,7 +2743,7 @@
       </p:sp>
       <p:sp>
         <p:nvSpPr>
-          <p:cNvPr id="4" name="Espaço reservado para o número do slide 3"/>
+          <p:cNvPr id="4" name="Espaço Reservado para o Número do Slide 3"/>
           <p:cNvSpPr>
             <a:spLocks noGrp="1"/>
           </p:cNvSpPr>
@@ -2681,7 +2768,7 @@
     </p:spTree>
     <p:extLst>
       <p:ext uri="{BB962C8B-B14F-4D97-AF65-F5344CB8AC3E}">
-        <p14:creationId xmlns:p14="http://schemas.microsoft.com/office/powerpoint/2010/main" val="448681902"/>
+        <p14:creationId xmlns:p14="http://schemas.microsoft.com/office/powerpoint/2010/main" val="1448517087"/>
       </p:ext>
     </p:extLst>
   </p:cSld>
@@ -2767,7 +2854,7 @@
     </p:spTree>
     <p:extLst>
       <p:ext uri="{BB962C8B-B14F-4D97-AF65-F5344CB8AC3E}">
-        <p14:creationId xmlns:p14="http://schemas.microsoft.com/office/powerpoint/2010/main" val="3917649945"/>
+        <p14:creationId xmlns:p14="http://schemas.microsoft.com/office/powerpoint/2010/main" val="448681902"/>
       </p:ext>
     </p:extLst>
   </p:cSld>
@@ -2853,7 +2940,7 @@
     </p:spTree>
     <p:extLst>
       <p:ext uri="{BB962C8B-B14F-4D97-AF65-F5344CB8AC3E}">
-        <p14:creationId xmlns:p14="http://schemas.microsoft.com/office/powerpoint/2010/main" val="250455128"/>
+        <p14:creationId xmlns:p14="http://schemas.microsoft.com/office/powerpoint/2010/main" val="3917649945"/>
       </p:ext>
     </p:extLst>
   </p:cSld>
@@ -2939,7 +3026,7 @@
     </p:spTree>
     <p:extLst>
       <p:ext uri="{BB962C8B-B14F-4D97-AF65-F5344CB8AC3E}">
-        <p14:creationId xmlns:p14="http://schemas.microsoft.com/office/powerpoint/2010/main" val="3995872455"/>
+        <p14:creationId xmlns:p14="http://schemas.microsoft.com/office/powerpoint/2010/main" val="250455128"/>
       </p:ext>
     </p:extLst>
   </p:cSld>
@@ -3101,7 +3188,7 @@
             <a:pPr rtl="0"/>
             <a:fld id="{DCA197FC-5BCA-4F4D-9F82-64AFC200E358}" type="datetime1">
               <a:rPr lang="pt-BR" noProof="0" smtClean="0"/>
-              <a:t>29/04/2020</a:t>
+              <a:t>03/05/2020</a:t>
             </a:fld>
             <a:endParaRPr lang="pt-BR" noProof="0" dirty="0"/>
           </a:p>
@@ -3305,7 +3392,7 @@
             <a:pPr rtl="0"/>
             <a:fld id="{BC604A03-7973-4BC4-9222-74CFA49BB370}" type="datetime1">
               <a:rPr lang="pt-BR" noProof="0" smtClean="0"/>
-              <a:t>29/04/2020</a:t>
+              <a:t>03/05/2020</a:t>
             </a:fld>
             <a:endParaRPr lang="pt-BR" noProof="0" dirty="0"/>
           </a:p>
@@ -3519,7 +3606,7 @@
             <a:pPr rtl="0"/>
             <a:fld id="{2C130B9D-1A45-452F-AC16-D36CD5C4EA6A}" type="datetime1">
               <a:rPr lang="pt-BR" noProof="0" smtClean="0"/>
-              <a:t>29/04/2020</a:t>
+              <a:t>03/05/2020</a:t>
             </a:fld>
             <a:endParaRPr lang="pt-BR" noProof="0" dirty="0"/>
           </a:p>
@@ -3723,7 +3810,7 @@
             <a:pPr rtl="0"/>
             <a:fld id="{179EAAF2-1359-4DAA-92D0-EC18028594EE}" type="datetime1">
               <a:rPr lang="pt-BR" noProof="0" smtClean="0"/>
-              <a:t>29/04/2020</a:t>
+              <a:t>03/05/2020</a:t>
             </a:fld>
             <a:endParaRPr lang="pt-BR" noProof="0" dirty="0"/>
           </a:p>
@@ -4003,7 +4090,7 @@
             <a:pPr rtl="0"/>
             <a:fld id="{2A5E3AA6-3E77-4EDD-A5D3-91497A83F745}" type="datetime1">
               <a:rPr lang="pt-BR" noProof="0" smtClean="0"/>
-              <a:t>29/04/2020</a:t>
+              <a:t>03/05/2020</a:t>
             </a:fld>
             <a:endParaRPr lang="pt-BR" noProof="0" dirty="0"/>
           </a:p>
@@ -4275,7 +4362,7 @@
             <a:pPr rtl="0"/>
             <a:fld id="{0933B832-A218-4C52-AD98-17F0930C59CC}" type="datetime1">
               <a:rPr lang="pt-BR" noProof="0" smtClean="0"/>
-              <a:t>29/04/2020</a:t>
+              <a:t>03/05/2020</a:t>
             </a:fld>
             <a:endParaRPr lang="pt-BR" noProof="0" dirty="0"/>
           </a:p>
@@ -4694,7 +4781,7 @@
             <a:pPr rtl="0"/>
             <a:fld id="{8851457D-773F-4388-805A-0245A2DC7FA6}" type="datetime1">
               <a:rPr lang="pt-BR" noProof="0" smtClean="0"/>
-              <a:t>29/04/2020</a:t>
+              <a:t>03/05/2020</a:t>
             </a:fld>
             <a:endParaRPr lang="pt-BR" noProof="0" dirty="0"/>
           </a:p>
@@ -4840,7 +4927,7 @@
             <a:pPr rtl="0"/>
             <a:fld id="{E1BDAD40-2C61-41F0-AC0A-B8DA56506CF8}" type="datetime1">
               <a:rPr lang="pt-BR" noProof="0" smtClean="0"/>
-              <a:t>29/04/2020</a:t>
+              <a:t>03/05/2020</a:t>
             </a:fld>
             <a:endParaRPr lang="pt-BR" noProof="0" dirty="0"/>
           </a:p>
@@ -4956,7 +5043,7 @@
             <a:pPr rtl="0"/>
             <a:fld id="{335F0EE2-8399-4909-BF8E-74D816C91647}" type="datetime1">
               <a:rPr lang="pt-BR" noProof="0" smtClean="0"/>
-              <a:t>29/04/2020</a:t>
+              <a:t>03/05/2020</a:t>
             </a:fld>
             <a:endParaRPr lang="pt-BR" noProof="0" dirty="0"/>
           </a:p>
@@ -5273,7 +5360,7 @@
             <a:pPr rtl="0"/>
             <a:fld id="{7CC62C37-8077-44BC-A52B-E2531EDBA2DE}" type="datetime1">
               <a:rPr lang="pt-BR" noProof="0" smtClean="0"/>
-              <a:t>29/04/2020</a:t>
+              <a:t>03/05/2020</a:t>
             </a:fld>
             <a:endParaRPr lang="pt-BR" noProof="0" dirty="0"/>
           </a:p>
@@ -5571,7 +5658,7 @@
             <a:pPr rtl="0"/>
             <a:fld id="{7D4235C6-032F-4A2C-8BCF-60C0B3B0EFA5}" type="datetime1">
               <a:rPr lang="pt-BR" noProof="0" smtClean="0"/>
-              <a:t>29/04/2020</a:t>
+              <a:t>03/05/2020</a:t>
             </a:fld>
             <a:endParaRPr lang="pt-BR" noProof="0" dirty="0"/>
           </a:p>
@@ -5816,7 +5903,7 @@
             <a:pPr rtl="0"/>
             <a:fld id="{FEE00915-A8F3-468F-8237-A0B9291D1250}" type="datetime1">
               <a:rPr lang="pt-BR" noProof="0" smtClean="0"/>
-              <a:t>29/04/2020</a:t>
+              <a:t>03/05/2020</a:t>
             </a:fld>
             <a:endParaRPr lang="pt-BR" noProof="0" dirty="0"/>
           </a:p>
@@ -8014,6 +8101,310 @@
         </p:nvSpPr>
         <p:spPr>
           <a:xfrm>
+            <a:off x="3612243" y="1173241"/>
+            <a:ext cx="4967514" cy="664797"/>
+          </a:xfrm>
+          <a:prstGeom prst="roundRect">
+            <a:avLst/>
+          </a:prstGeom>
+          <a:solidFill>
+            <a:srgbClr val="BC1414"/>
+          </a:solidFill>
+          <a:ln>
+            <a:noFill/>
+          </a:ln>
+        </p:spPr>
+        <p:style>
+          <a:lnRef idx="2">
+            <a:schemeClr val="accent1">
+              <a:shade val="50000"/>
+            </a:schemeClr>
+          </a:lnRef>
+          <a:fillRef idx="1">
+            <a:schemeClr val="accent1"/>
+          </a:fillRef>
+          <a:effectRef idx="0">
+            <a:schemeClr val="accent1"/>
+          </a:effectRef>
+          <a:fontRef idx="minor">
+            <a:schemeClr val="lt1"/>
+          </a:fontRef>
+        </p:style>
+        <p:txBody>
+          <a:bodyPr rtlCol="0" anchor="ctr"/>
+          <a:lstStyle/>
+          <a:p>
+            <a:pPr algn="ctr" rtl="0"/>
+            <a:r>
+              <a:rPr lang="pt-BR" b="1" dirty="0">
+                <a:latin typeface="+mj-lt"/>
+              </a:rPr>
+              <a:t>Cadastro e login</a:t>
+            </a:r>
+          </a:p>
+        </p:txBody>
+      </p:sp>
+      <p:pic>
+        <p:nvPicPr>
+          <p:cNvPr id="2" name="Imagem 1">
+            <a:extLst>
+              <a:ext uri="{FF2B5EF4-FFF2-40B4-BE49-F238E27FC236}">
+                <a16:creationId xmlns:a16="http://schemas.microsoft.com/office/drawing/2014/main" id="{DB70DE85-FB90-4FF2-BC7A-F157CD6443D4}"/>
+              </a:ext>
+            </a:extLst>
+          </p:cNvPr>
+          <p:cNvPicPr>
+            <a:picLocks noChangeAspect="1"/>
+          </p:cNvPicPr>
+          <p:nvPr/>
+        </p:nvPicPr>
+        <p:blipFill>
+          <a:blip r:embed="rId3"/>
+          <a:stretch>
+            <a:fillRect/>
+          </a:stretch>
+        </p:blipFill>
+        <p:spPr>
+          <a:xfrm>
+            <a:off x="1342240" y="2031936"/>
+            <a:ext cx="9253056" cy="4694210"/>
+          </a:xfrm>
+          <a:prstGeom prst="rect">
+            <a:avLst/>
+          </a:prstGeom>
+        </p:spPr>
+      </p:pic>
+    </p:spTree>
+    <p:extLst>
+      <p:ext uri="{BB962C8B-B14F-4D97-AF65-F5344CB8AC3E}">
+        <p14:creationId xmlns:p14="http://schemas.microsoft.com/office/powerpoint/2010/main" val="3258170134"/>
+      </p:ext>
+    </p:extLst>
+  </p:cSld>
+  <p:clrMapOvr>
+    <a:masterClrMapping/>
+  </p:clrMapOvr>
+</p:sld>
+</file>
+
+<file path=ppt/slides/slide11.xml><?xml version="1.0" encoding="utf-8"?>
+<p:sld xmlns:a="http://schemas.openxmlformats.org/drawingml/2006/main" xmlns:r="http://schemas.openxmlformats.org/officeDocument/2006/relationships" xmlns:p="http://schemas.openxmlformats.org/presentationml/2006/main">
+  <p:cSld>
+    <p:spTree>
+      <p:nvGrpSpPr>
+        <p:cNvPr id="1" name=""/>
+        <p:cNvGrpSpPr/>
+        <p:nvPr/>
+      </p:nvGrpSpPr>
+      <p:grpSpPr>
+        <a:xfrm>
+          <a:off x="0" y="0"/>
+          <a:ext cx="0" cy="0"/>
+          <a:chOff x="0" y="0"/>
+          <a:chExt cx="0" cy="0"/>
+        </a:xfrm>
+      </p:grpSpPr>
+      <p:sp>
+        <p:nvSpPr>
+          <p:cNvPr id="7" name="Título 6" hidden="1">
+            <a:extLst>
+              <a:ext uri="{FF2B5EF4-FFF2-40B4-BE49-F238E27FC236}">
+                <a16:creationId xmlns:a16="http://schemas.microsoft.com/office/drawing/2014/main" id="{A588A72A-976E-478A-9DD3-765AB3ED4CD0}"/>
+              </a:ext>
+            </a:extLst>
+          </p:cNvPr>
+          <p:cNvSpPr>
+            <a:spLocks noGrp="1"/>
+          </p:cNvSpPr>
+          <p:nvPr>
+            <p:ph type="title" idx="4294967295"/>
+          </p:nvPr>
+        </p:nvSpPr>
+        <p:spPr>
+          <a:xfrm>
+            <a:off x="0" y="365125"/>
+            <a:ext cx="10515600" cy="1325563"/>
+          </a:xfrm>
+        </p:spPr>
+        <p:txBody>
+          <a:bodyPr rtlCol="0"/>
+          <a:lstStyle/>
+          <a:p>
+            <a:r>
+              <a:rPr lang="pt-BR" dirty="0"/>
+              <a:t>Análise de projeto slide 8</a:t>
+            </a:r>
+            <a:endParaRPr lang="pt-br" dirty="0"/>
+          </a:p>
+        </p:txBody>
+      </p:sp>
+      <p:cxnSp>
+        <p:nvCxnSpPr>
+          <p:cNvPr id="8" name="Conector Reto 7">
+            <a:extLst>
+              <a:ext uri="{FF2B5EF4-FFF2-40B4-BE49-F238E27FC236}">
+                <a16:creationId xmlns:a16="http://schemas.microsoft.com/office/drawing/2014/main" id="{D0986099-F5F2-4E8B-BE17-81194861A00C}"/>
+              </a:ext>
+              <a:ext uri="{C183D7F6-B498-43B3-948B-1728B52AA6E4}">
+                <adec:decorative xmlns:adec="http://schemas.microsoft.com/office/drawing/2017/decorative" val="1"/>
+              </a:ext>
+            </a:extLst>
+          </p:cNvPr>
+          <p:cNvCxnSpPr>
+            <a:cxnSpLocks/>
+          </p:cNvCxnSpPr>
+          <p:nvPr/>
+        </p:nvCxnSpPr>
+        <p:spPr>
+          <a:xfrm>
+            <a:off x="8105775" y="522898"/>
+            <a:ext cx="4086225" cy="0"/>
+          </a:xfrm>
+          <a:prstGeom prst="line">
+            <a:avLst/>
+          </a:prstGeom>
+          <a:ln>
+            <a:solidFill>
+              <a:schemeClr val="accent3">
+                <a:lumMod val="50000"/>
+              </a:schemeClr>
+            </a:solidFill>
+            <a:headEnd type="oval"/>
+          </a:ln>
+        </p:spPr>
+        <p:style>
+          <a:lnRef idx="1">
+            <a:schemeClr val="accent1"/>
+          </a:lnRef>
+          <a:fillRef idx="0">
+            <a:schemeClr val="accent1"/>
+          </a:fillRef>
+          <a:effectRef idx="0">
+            <a:schemeClr val="accent1"/>
+          </a:effectRef>
+          <a:fontRef idx="minor">
+            <a:schemeClr val="tx1"/>
+          </a:fontRef>
+        </p:style>
+      </p:cxnSp>
+      <p:sp>
+        <p:nvSpPr>
+          <p:cNvPr id="11" name="Título 1">
+            <a:extLst>
+              <a:ext uri="{FF2B5EF4-FFF2-40B4-BE49-F238E27FC236}">
+                <a16:creationId xmlns:a16="http://schemas.microsoft.com/office/drawing/2014/main" id="{4E3F5479-058B-4FA8-92E9-18CAB8CDC5C5}"/>
+              </a:ext>
+            </a:extLst>
+          </p:cNvPr>
+          <p:cNvSpPr txBox="1">
+            <a:spLocks/>
+          </p:cNvSpPr>
+          <p:nvPr/>
+        </p:nvSpPr>
+        <p:spPr>
+          <a:xfrm>
+            <a:off x="228600" y="328999"/>
+            <a:ext cx="11734800" cy="387798"/>
+          </a:xfrm>
+          <a:prstGeom prst="rect">
+            <a:avLst/>
+          </a:prstGeom>
+        </p:spPr>
+        <p:txBody>
+          <a:bodyPr vert="horz" wrap="square" lIns="0" tIns="0" rIns="0" bIns="0" rtlCol="0" anchor="t">
+            <a:spAutoFit/>
+          </a:bodyPr>
+          <a:lstStyle>
+            <a:lvl1pPr algn="l" defTabSz="914400" rtl="0" eaLnBrk="1" latinLnBrk="0" hangingPunct="1">
+              <a:lnSpc>
+                <a:spcPct val="90000"/>
+              </a:lnSpc>
+              <a:spcBef>
+                <a:spcPct val="0"/>
+              </a:spcBef>
+              <a:buNone/>
+              <a:defRPr sz="4400" kern="1200">
+                <a:solidFill>
+                  <a:schemeClr val="tx1"/>
+                </a:solidFill>
+                <a:latin typeface="+mj-lt"/>
+                <a:ea typeface="+mj-ea"/>
+                <a:cs typeface="+mj-cs"/>
+              </a:defRPr>
+            </a:lvl1pPr>
+          </a:lstStyle>
+          <a:p>
+            <a:pPr algn="ctr" rtl="0"/>
+            <a:r>
+              <a:rPr lang="pt-BR" sz="2800" dirty="0"/>
+              <a:t>Sensor Vital</a:t>
+            </a:r>
+          </a:p>
+        </p:txBody>
+      </p:sp>
+      <p:cxnSp>
+        <p:nvCxnSpPr>
+          <p:cNvPr id="14" name="Conector Reto 13">
+            <a:extLst>
+              <a:ext uri="{FF2B5EF4-FFF2-40B4-BE49-F238E27FC236}">
+                <a16:creationId xmlns:a16="http://schemas.microsoft.com/office/drawing/2014/main" id="{83E690F4-843A-47A5-8620-4FB01C0D8E68}"/>
+              </a:ext>
+              <a:ext uri="{C183D7F6-B498-43B3-948B-1728B52AA6E4}">
+                <adec:decorative xmlns:adec="http://schemas.microsoft.com/office/drawing/2017/decorative" val="1"/>
+              </a:ext>
+            </a:extLst>
+          </p:cNvPr>
+          <p:cNvCxnSpPr>
+            <a:cxnSpLocks/>
+          </p:cNvCxnSpPr>
+          <p:nvPr/>
+        </p:nvCxnSpPr>
+        <p:spPr>
+          <a:xfrm>
+            <a:off x="0" y="522898"/>
+            <a:ext cx="4086225" cy="0"/>
+          </a:xfrm>
+          <a:prstGeom prst="line">
+            <a:avLst/>
+          </a:prstGeom>
+          <a:ln>
+            <a:solidFill>
+              <a:schemeClr val="accent3">
+                <a:lumMod val="50000"/>
+              </a:schemeClr>
+            </a:solidFill>
+            <a:tailEnd type="oval"/>
+          </a:ln>
+        </p:spPr>
+        <p:style>
+          <a:lnRef idx="1">
+            <a:schemeClr val="accent1"/>
+          </a:lnRef>
+          <a:fillRef idx="0">
+            <a:schemeClr val="accent1"/>
+          </a:fillRef>
+          <a:effectRef idx="0">
+            <a:schemeClr val="accent1"/>
+          </a:effectRef>
+          <a:fontRef idx="minor">
+            <a:schemeClr val="tx1"/>
+          </a:fontRef>
+        </p:style>
+      </p:cxnSp>
+      <p:sp>
+        <p:nvSpPr>
+          <p:cNvPr id="20" name="Retângulo: Cantos Arredondados 19">
+            <a:extLst>
+              <a:ext uri="{FF2B5EF4-FFF2-40B4-BE49-F238E27FC236}">
+                <a16:creationId xmlns:a16="http://schemas.microsoft.com/office/drawing/2014/main" id="{A3582320-2E76-4EE0-B969-C2FD85866EBF}"/>
+              </a:ext>
+            </a:extLst>
+          </p:cNvPr>
+          <p:cNvSpPr/>
+          <p:nvPr/>
+        </p:nvSpPr>
+        <p:spPr>
+          <a:xfrm>
             <a:off x="3612243" y="1279692"/>
             <a:ext cx="4967514" cy="664797"/>
           </a:xfrm>
@@ -8100,7 +8491,7 @@
 </p:sld>
 </file>
 
-<file path=ppt/slides/slide11.xml><?xml version="1.0" encoding="utf-8"?>
+<file path=ppt/slides/slide12.xml><?xml version="1.0" encoding="utf-8"?>
 <p:sld xmlns:a="http://schemas.openxmlformats.org/drawingml/2006/main" xmlns:r="http://schemas.openxmlformats.org/officeDocument/2006/relationships" xmlns:p="http://schemas.openxmlformats.org/presentationml/2006/main">
   <p:cSld>
     <p:spTree>
@@ -8404,7 +8795,7 @@
 </p:sld>
 </file>
 
-<file path=ppt/slides/slide12.xml><?xml version="1.0" encoding="utf-8"?>
+<file path=ppt/slides/slide13.xml><?xml version="1.0" encoding="utf-8"?>
 <p:sld xmlns:a="http://schemas.openxmlformats.org/drawingml/2006/main" xmlns:r="http://schemas.openxmlformats.org/officeDocument/2006/relationships" xmlns:p="http://schemas.openxmlformats.org/presentationml/2006/main">
   <p:cSld>
     <p:spTree>
@@ -8708,7 +9099,7 @@
 </p:sld>
 </file>
 
-<file path=ppt/slides/slide13.xml><?xml version="1.0" encoding="utf-8"?>
+<file path=ppt/slides/slide14.xml><?xml version="1.0" encoding="utf-8"?>
 <p:sld xmlns:a="http://schemas.openxmlformats.org/drawingml/2006/main" xmlns:r="http://schemas.openxmlformats.org/officeDocument/2006/relationships" xmlns:p="http://schemas.openxmlformats.org/presentationml/2006/main">
   <p:cSld>
     <p:spTree>
@@ -9051,7 +9442,7 @@
 </p:sld>
 </file>
 
-<file path=ppt/slides/slide14.xml><?xml version="1.0" encoding="utf-8"?>
+<file path=ppt/slides/slide15.xml><?xml version="1.0" encoding="utf-8"?>
 <p:sld xmlns:a="http://schemas.openxmlformats.org/drawingml/2006/main" xmlns:r="http://schemas.openxmlformats.org/officeDocument/2006/relationships" xmlns:p="http://schemas.openxmlformats.org/presentationml/2006/main">
   <p:cSld>
     <p:spTree>
@@ -9304,14 +9695,11 @@
           <a:p>
             <a:pPr algn="ctr" rtl="0"/>
             <a:r>
-              <a:rPr lang="pt-BR" b="1" dirty="0" err="1">
+              <a:rPr lang="pt-BR" b="1" dirty="0">
                 <a:latin typeface="+mj-lt"/>
               </a:rPr>
-              <a:t>Git</a:t>
+              <a:t>Ferramentas</a:t>
             </a:r>
-            <a:endParaRPr lang="pt-BR" b="1" dirty="0">
-              <a:latin typeface="+mj-lt"/>
-            </a:endParaRPr>
           </a:p>
         </p:txBody>
       </p:sp>
@@ -9329,8 +9717,8 @@
         </p:nvSpPr>
         <p:spPr>
           <a:xfrm>
-            <a:off x="2043112" y="2398583"/>
-            <a:ext cx="4267200" cy="2585323"/>
+            <a:off x="169877" y="2697062"/>
+            <a:ext cx="4267200" cy="2308324"/>
           </a:xfrm>
           <a:prstGeom prst="rect">
             <a:avLst/>
@@ -9343,28 +9731,6 @@
           </a:bodyPr>
           <a:lstStyle/>
           <a:p>
-            <a:pPr marL="285750" indent="-285750">
-              <a:buFont typeface="Arial" panose="020B0604020202020204" pitchFamily="34" charset="0"/>
-              <a:buChar char="•"/>
-            </a:pPr>
-            <a:r>
-              <a:rPr lang="pt-BR" b="1" dirty="0"/>
-              <a:t>Comandos do </a:t>
-            </a:r>
-            <a:r>
-              <a:rPr lang="pt-BR" b="1" dirty="0" err="1"/>
-              <a:t>git</a:t>
-            </a:r>
-            <a:r>
-              <a:rPr lang="pt-BR" b="1" dirty="0"/>
-              <a:t> </a:t>
-            </a:r>
-          </a:p>
-          <a:p>
-            <a:pPr marL="285750" indent="-285750">
-              <a:buFont typeface="Arial" panose="020B0604020202020204" pitchFamily="34" charset="0"/>
-              <a:buChar char="•"/>
-            </a:pPr>
             <a:endParaRPr lang="pt-BR" b="1" dirty="0"/>
           </a:p>
           <a:p>
@@ -9460,7 +9826,7 @@
         </p:nvSpPr>
         <p:spPr>
           <a:xfrm>
-            <a:off x="6247002" y="2398583"/>
+            <a:off x="169877" y="4731047"/>
             <a:ext cx="4784035" cy="1477328"/>
           </a:xfrm>
           <a:prstGeom prst="rect">
@@ -9558,6 +9924,157 @@
           </a:p>
         </p:txBody>
       </p:sp>
+      <p:pic>
+        <p:nvPicPr>
+          <p:cNvPr id="2" name="Imagem 1">
+            <a:extLst>
+              <a:ext uri="{FF2B5EF4-FFF2-40B4-BE49-F238E27FC236}">
+                <a16:creationId xmlns:a16="http://schemas.microsoft.com/office/drawing/2014/main" id="{325F684D-CA6E-4A6D-B476-1A9E1D8C8BD0}"/>
+              </a:ext>
+            </a:extLst>
+          </p:cNvPr>
+          <p:cNvPicPr>
+            <a:picLocks noChangeAspect="1"/>
+          </p:cNvPicPr>
+          <p:nvPr/>
+        </p:nvPicPr>
+        <p:blipFill>
+          <a:blip r:embed="rId3"/>
+          <a:stretch>
+            <a:fillRect/>
+          </a:stretch>
+        </p:blipFill>
+        <p:spPr>
+          <a:xfrm>
+            <a:off x="6976229" y="2521678"/>
+            <a:ext cx="4533466" cy="4278724"/>
+          </a:xfrm>
+          <a:prstGeom prst="rect">
+            <a:avLst/>
+          </a:prstGeom>
+        </p:spPr>
+      </p:pic>
+      <p:pic>
+        <p:nvPicPr>
+          <p:cNvPr id="1028" name="Picture 4" descr="GitHub · GitHub">
+            <a:extLst>
+              <a:ext uri="{FF2B5EF4-FFF2-40B4-BE49-F238E27FC236}">
+                <a16:creationId xmlns:a16="http://schemas.microsoft.com/office/drawing/2014/main" id="{33AE6983-0776-4A66-AA7D-31802009F850}"/>
+              </a:ext>
+            </a:extLst>
+          </p:cNvPr>
+          <p:cNvPicPr>
+            <a:picLocks noChangeAspect="1" noChangeArrowheads="1"/>
+          </p:cNvPicPr>
+          <p:nvPr/>
+        </p:nvPicPr>
+        <p:blipFill>
+          <a:blip r:embed="rId4">
+            <a:extLst>
+              <a:ext uri="{28A0092B-C50C-407E-A947-70E740481C1C}">
+                <a14:useLocalDpi xmlns:a14="http://schemas.microsoft.com/office/drawing/2010/main" val="0"/>
+              </a:ext>
+            </a:extLst>
+          </a:blip>
+          <a:srcRect/>
+          <a:stretch>
+            <a:fillRect/>
+          </a:stretch>
+        </p:blipFill>
+        <p:spPr bwMode="auto">
+          <a:xfrm>
+            <a:off x="199281" y="1708285"/>
+            <a:ext cx="848599" cy="848599"/>
+          </a:xfrm>
+          <a:prstGeom prst="rect">
+            <a:avLst/>
+          </a:prstGeom>
+          <a:noFill/>
+          <a:extLst>
+            <a:ext uri="{909E8E84-426E-40DD-AFC4-6F175D3DCCD1}">
+              <a14:hiddenFill xmlns:a14="http://schemas.microsoft.com/office/drawing/2010/main">
+                <a:solidFill>
+                  <a:srgbClr val="FFFFFF"/>
+                </a:solidFill>
+              </a14:hiddenFill>
+            </a:ext>
+          </a:extLst>
+        </p:spPr>
+      </p:pic>
+      <p:sp>
+        <p:nvSpPr>
+          <p:cNvPr id="3" name="CaixaDeTexto 2">
+            <a:extLst>
+              <a:ext uri="{FF2B5EF4-FFF2-40B4-BE49-F238E27FC236}">
+                <a16:creationId xmlns:a16="http://schemas.microsoft.com/office/drawing/2014/main" id="{084A3FAC-B14F-42F9-8979-7803F77D5CC0}"/>
+              </a:ext>
+            </a:extLst>
+          </p:cNvPr>
+          <p:cNvSpPr txBox="1"/>
+          <p:nvPr/>
+        </p:nvSpPr>
+        <p:spPr>
+          <a:xfrm>
+            <a:off x="1283515" y="2372218"/>
+            <a:ext cx="978153" cy="369332"/>
+          </a:xfrm>
+          <a:prstGeom prst="rect">
+            <a:avLst/>
+          </a:prstGeom>
+          <a:noFill/>
+        </p:spPr>
+        <p:txBody>
+          <a:bodyPr wrap="none" rtlCol="0">
+            <a:spAutoFit/>
+          </a:bodyPr>
+          <a:lstStyle/>
+          <a:p>
+            <a:r>
+              <a:rPr lang="pt-BR" b="1" dirty="0">
+                <a:latin typeface="+mj-lt"/>
+              </a:rPr>
+              <a:t>GITHUB</a:t>
+            </a:r>
+          </a:p>
+        </p:txBody>
+      </p:sp>
+      <p:sp>
+        <p:nvSpPr>
+          <p:cNvPr id="4" name="CaixaDeTexto 3">
+            <a:extLst>
+              <a:ext uri="{FF2B5EF4-FFF2-40B4-BE49-F238E27FC236}">
+                <a16:creationId xmlns:a16="http://schemas.microsoft.com/office/drawing/2014/main" id="{ED9F71E6-C9E1-4051-93D2-034807CAD828}"/>
+              </a:ext>
+            </a:extLst>
+          </p:cNvPr>
+          <p:cNvSpPr txBox="1"/>
+          <p:nvPr/>
+        </p:nvSpPr>
+        <p:spPr>
+          <a:xfrm>
+            <a:off x="8684751" y="2187552"/>
+            <a:ext cx="1569660" cy="369332"/>
+          </a:xfrm>
+          <a:prstGeom prst="rect">
+            <a:avLst/>
+          </a:prstGeom>
+          <a:noFill/>
+        </p:spPr>
+        <p:txBody>
+          <a:bodyPr wrap="none" rtlCol="0">
+            <a:spAutoFit/>
+          </a:bodyPr>
+          <a:lstStyle/>
+          <a:p>
+            <a:r>
+              <a:rPr lang="pt-BR" b="1" dirty="0">
+                <a:latin typeface="+mj-lt"/>
+              </a:rPr>
+              <a:t>MEISTERTASK</a:t>
+            </a:r>
+          </a:p>
+        </p:txBody>
+      </p:sp>
     </p:spTree>
     <p:extLst>
       <p:ext uri="{BB962C8B-B14F-4D97-AF65-F5344CB8AC3E}">
@@ -9571,7 +10088,7 @@
 </p:sld>
 </file>
 
-<file path=ppt/slides/slide15.xml><?xml version="1.0" encoding="utf-8"?>
+<file path=ppt/slides/slide16.xml><?xml version="1.0" encoding="utf-8"?>
 <p:sld xmlns:a="http://schemas.openxmlformats.org/drawingml/2006/main" xmlns:r="http://schemas.openxmlformats.org/officeDocument/2006/relationships" xmlns:p="http://schemas.openxmlformats.org/presentationml/2006/main">
   <p:cSld>
     <p:bg>
@@ -15805,6 +16322,14 @@
   <p:clrMapOvr>
     <a:masterClrMapping/>
   </p:clrMapOvr>
+  <mc:AlternateContent xmlns:mc="http://schemas.openxmlformats.org/markup-compatibility/2006">
+    <mc:Choice xmlns:p14="http://schemas.microsoft.com/office/powerpoint/2010/main" Requires="p14">
+      <p:transition p14:dur="10"/>
+    </mc:Choice>
+    <mc:Fallback>
+      <p:transition/>
+    </mc:Fallback>
+  </mc:AlternateContent>
 </p:sld>
 </file>
 
@@ -26600,6 +27125,364 @@
       </p:grpSpPr>
       <p:sp>
         <p:nvSpPr>
+          <p:cNvPr id="4" name="Título 3" hidden="1">
+            <a:extLst>
+              <a:ext uri="{FF2B5EF4-FFF2-40B4-BE49-F238E27FC236}">
+                <a16:creationId xmlns:a16="http://schemas.microsoft.com/office/drawing/2014/main" id="{2AC0C949-7A02-4C95-8017-D82E7E71C4F7}"/>
+              </a:ext>
+            </a:extLst>
+          </p:cNvPr>
+          <p:cNvSpPr>
+            <a:spLocks noGrp="1"/>
+          </p:cNvSpPr>
+          <p:nvPr>
+            <p:ph type="title" idx="4294967295"/>
+          </p:nvPr>
+        </p:nvSpPr>
+        <p:spPr>
+          <a:xfrm>
+            <a:off x="0" y="365125"/>
+            <a:ext cx="10515600" cy="1325563"/>
+          </a:xfrm>
+        </p:spPr>
+        <p:txBody>
+          <a:bodyPr rtlCol="0"/>
+          <a:lstStyle/>
+          <a:p>
+            <a:r>
+              <a:rPr lang="pt-BR" dirty="0"/>
+              <a:t>Análise de projeto slide 5</a:t>
+            </a:r>
+            <a:endParaRPr lang="pt-br" dirty="0"/>
+          </a:p>
+        </p:txBody>
+      </p:sp>
+      <p:cxnSp>
+        <p:nvCxnSpPr>
+          <p:cNvPr id="8" name="Conector Reto 7">
+            <a:extLst>
+              <a:ext uri="{FF2B5EF4-FFF2-40B4-BE49-F238E27FC236}">
+                <a16:creationId xmlns:a16="http://schemas.microsoft.com/office/drawing/2014/main" id="{D0986099-F5F2-4E8B-BE17-81194861A00C}"/>
+              </a:ext>
+              <a:ext uri="{C183D7F6-B498-43B3-948B-1728B52AA6E4}">
+                <adec:decorative xmlns:adec="http://schemas.microsoft.com/office/drawing/2017/decorative" val="1"/>
+              </a:ext>
+            </a:extLst>
+          </p:cNvPr>
+          <p:cNvCxnSpPr>
+            <a:cxnSpLocks/>
+          </p:cNvCxnSpPr>
+          <p:nvPr/>
+        </p:nvCxnSpPr>
+        <p:spPr>
+          <a:xfrm>
+            <a:off x="8105775" y="522898"/>
+            <a:ext cx="4086225" cy="0"/>
+          </a:xfrm>
+          <a:prstGeom prst="line">
+            <a:avLst/>
+          </a:prstGeom>
+          <a:ln>
+            <a:solidFill>
+              <a:schemeClr val="accent3">
+                <a:lumMod val="50000"/>
+              </a:schemeClr>
+            </a:solidFill>
+            <a:headEnd type="oval"/>
+          </a:ln>
+        </p:spPr>
+        <p:style>
+          <a:lnRef idx="1">
+            <a:schemeClr val="accent1"/>
+          </a:lnRef>
+          <a:fillRef idx="0">
+            <a:schemeClr val="accent1"/>
+          </a:fillRef>
+          <a:effectRef idx="0">
+            <a:schemeClr val="accent1"/>
+          </a:effectRef>
+          <a:fontRef idx="minor">
+            <a:schemeClr val="tx1"/>
+          </a:fontRef>
+        </p:style>
+      </p:cxnSp>
+      <p:sp>
+        <p:nvSpPr>
+          <p:cNvPr id="11" name="Título 1">
+            <a:extLst>
+              <a:ext uri="{FF2B5EF4-FFF2-40B4-BE49-F238E27FC236}">
+                <a16:creationId xmlns:a16="http://schemas.microsoft.com/office/drawing/2014/main" id="{4E3F5479-058B-4FA8-92E9-18CAB8CDC5C5}"/>
+              </a:ext>
+            </a:extLst>
+          </p:cNvPr>
+          <p:cNvSpPr txBox="1">
+            <a:spLocks/>
+          </p:cNvSpPr>
+          <p:nvPr/>
+        </p:nvSpPr>
+        <p:spPr>
+          <a:xfrm>
+            <a:off x="228600" y="328999"/>
+            <a:ext cx="11734800" cy="387798"/>
+          </a:xfrm>
+          <a:prstGeom prst="rect">
+            <a:avLst/>
+          </a:prstGeom>
+        </p:spPr>
+        <p:txBody>
+          <a:bodyPr vert="horz" wrap="square" lIns="0" tIns="0" rIns="0" bIns="0" rtlCol="0" anchor="t">
+            <a:spAutoFit/>
+          </a:bodyPr>
+          <a:lstStyle>
+            <a:lvl1pPr algn="l" defTabSz="914400" rtl="0" eaLnBrk="1" latinLnBrk="0" hangingPunct="1">
+              <a:lnSpc>
+                <a:spcPct val="90000"/>
+              </a:lnSpc>
+              <a:spcBef>
+                <a:spcPct val="0"/>
+              </a:spcBef>
+              <a:buNone/>
+              <a:defRPr sz="4400" kern="1200">
+                <a:solidFill>
+                  <a:schemeClr val="tx1"/>
+                </a:solidFill>
+                <a:latin typeface="+mj-lt"/>
+                <a:ea typeface="+mj-ea"/>
+                <a:cs typeface="+mj-cs"/>
+              </a:defRPr>
+            </a:lvl1pPr>
+          </a:lstStyle>
+          <a:p>
+            <a:pPr algn="ctr" rtl="0"/>
+            <a:r>
+              <a:rPr lang="pt-BR" sz="2800" dirty="0"/>
+              <a:t>Sensor Vital</a:t>
+            </a:r>
+          </a:p>
+        </p:txBody>
+      </p:sp>
+      <p:cxnSp>
+        <p:nvCxnSpPr>
+          <p:cNvPr id="14" name="Conector Reto 13">
+            <a:extLst>
+              <a:ext uri="{FF2B5EF4-FFF2-40B4-BE49-F238E27FC236}">
+                <a16:creationId xmlns:a16="http://schemas.microsoft.com/office/drawing/2014/main" id="{83E690F4-843A-47A5-8620-4FB01C0D8E68}"/>
+              </a:ext>
+              <a:ext uri="{C183D7F6-B498-43B3-948B-1728B52AA6E4}">
+                <adec:decorative xmlns:adec="http://schemas.microsoft.com/office/drawing/2017/decorative" val="1"/>
+              </a:ext>
+            </a:extLst>
+          </p:cNvPr>
+          <p:cNvCxnSpPr>
+            <a:cxnSpLocks/>
+          </p:cNvCxnSpPr>
+          <p:nvPr/>
+        </p:nvCxnSpPr>
+        <p:spPr>
+          <a:xfrm>
+            <a:off x="0" y="522898"/>
+            <a:ext cx="4086225" cy="0"/>
+          </a:xfrm>
+          <a:prstGeom prst="line">
+            <a:avLst/>
+          </a:prstGeom>
+          <a:ln>
+            <a:solidFill>
+              <a:schemeClr val="accent3">
+                <a:lumMod val="50000"/>
+              </a:schemeClr>
+            </a:solidFill>
+            <a:tailEnd type="oval"/>
+          </a:ln>
+        </p:spPr>
+        <p:style>
+          <a:lnRef idx="1">
+            <a:schemeClr val="accent1"/>
+          </a:lnRef>
+          <a:fillRef idx="0">
+            <a:schemeClr val="accent1"/>
+          </a:fillRef>
+          <a:effectRef idx="0">
+            <a:schemeClr val="accent1"/>
+          </a:effectRef>
+          <a:fontRef idx="minor">
+            <a:schemeClr val="tx1"/>
+          </a:fontRef>
+        </p:style>
+      </p:cxnSp>
+      <p:sp>
+        <p:nvSpPr>
+          <p:cNvPr id="39" name="Retângulo: Cantos Arredondados 38">
+            <a:extLst>
+              <a:ext uri="{FF2B5EF4-FFF2-40B4-BE49-F238E27FC236}">
+                <a16:creationId xmlns:a16="http://schemas.microsoft.com/office/drawing/2014/main" id="{B8B00478-9CDC-4C63-8DD8-F73F267ED865}"/>
+              </a:ext>
+            </a:extLst>
+          </p:cNvPr>
+          <p:cNvSpPr/>
+          <p:nvPr/>
+        </p:nvSpPr>
+        <p:spPr>
+          <a:xfrm>
+            <a:off x="3612243" y="986078"/>
+            <a:ext cx="4967514" cy="664797"/>
+          </a:xfrm>
+          <a:prstGeom prst="roundRect">
+            <a:avLst/>
+          </a:prstGeom>
+          <a:solidFill>
+            <a:srgbClr val="BC1414"/>
+          </a:solidFill>
+          <a:ln>
+            <a:noFill/>
+          </a:ln>
+        </p:spPr>
+        <p:style>
+          <a:lnRef idx="2">
+            <a:schemeClr val="accent1">
+              <a:shade val="50000"/>
+            </a:schemeClr>
+          </a:lnRef>
+          <a:fillRef idx="1">
+            <a:schemeClr val="accent1"/>
+          </a:fillRef>
+          <a:effectRef idx="0">
+            <a:schemeClr val="accent1"/>
+          </a:effectRef>
+          <a:fontRef idx="minor">
+            <a:schemeClr val="lt1"/>
+          </a:fontRef>
+        </p:style>
+        <p:txBody>
+          <a:bodyPr rtlCol="0" anchor="ctr"/>
+          <a:lstStyle/>
+          <a:p>
+            <a:pPr algn="ctr" rtl="0"/>
+            <a:r>
+              <a:rPr lang="pt-BR" b="1" dirty="0">
+                <a:latin typeface="+mj-lt"/>
+              </a:rPr>
+              <a:t>LLD do Sensor Vital</a:t>
+            </a:r>
+          </a:p>
+        </p:txBody>
+      </p:sp>
+      <p:pic>
+        <p:nvPicPr>
+          <p:cNvPr id="2" name="Imagem 1">
+            <a:extLst>
+              <a:ext uri="{FF2B5EF4-FFF2-40B4-BE49-F238E27FC236}">
+                <a16:creationId xmlns:a16="http://schemas.microsoft.com/office/drawing/2014/main" id="{8B6989FC-BA9B-4DEB-B82C-3062A2F3B792}"/>
+              </a:ext>
+            </a:extLst>
+          </p:cNvPr>
+          <p:cNvPicPr>
+            <a:picLocks noChangeAspect="1"/>
+          </p:cNvPicPr>
+          <p:nvPr/>
+        </p:nvPicPr>
+        <p:blipFill>
+          <a:blip r:embed="rId3"/>
+          <a:stretch>
+            <a:fillRect/>
+          </a:stretch>
+        </p:blipFill>
+        <p:spPr>
+          <a:xfrm>
+            <a:off x="1660462" y="1711354"/>
+            <a:ext cx="9094223" cy="5077608"/>
+          </a:xfrm>
+          <a:prstGeom prst="rect">
+            <a:avLst/>
+          </a:prstGeom>
+        </p:spPr>
+      </p:pic>
+      <p:sp>
+        <p:nvSpPr>
+          <p:cNvPr id="3" name="Retângulo: Cantos Arredondados 2">
+            <a:extLst>
+              <a:ext uri="{FF2B5EF4-FFF2-40B4-BE49-F238E27FC236}">
+                <a16:creationId xmlns:a16="http://schemas.microsoft.com/office/drawing/2014/main" id="{67E5A941-4486-49DB-979E-EBC626D13700}"/>
+              </a:ext>
+            </a:extLst>
+          </p:cNvPr>
+          <p:cNvSpPr/>
+          <p:nvPr/>
+        </p:nvSpPr>
+        <p:spPr>
+          <a:xfrm>
+            <a:off x="1560352" y="1711354"/>
+            <a:ext cx="453006" cy="209725"/>
+          </a:xfrm>
+          <a:prstGeom prst="roundRect">
+            <a:avLst/>
+          </a:prstGeom>
+          <a:solidFill>
+            <a:schemeClr val="bg1"/>
+          </a:solidFill>
+          <a:ln>
+            <a:solidFill>
+              <a:schemeClr val="bg1"/>
+            </a:solidFill>
+          </a:ln>
+        </p:spPr>
+        <p:style>
+          <a:lnRef idx="2">
+            <a:schemeClr val="accent1">
+              <a:shade val="50000"/>
+            </a:schemeClr>
+          </a:lnRef>
+          <a:fillRef idx="1">
+            <a:schemeClr val="accent1"/>
+          </a:fillRef>
+          <a:effectRef idx="0">
+            <a:schemeClr val="accent1"/>
+          </a:effectRef>
+          <a:fontRef idx="minor">
+            <a:schemeClr val="lt1"/>
+          </a:fontRef>
+        </p:style>
+        <p:txBody>
+          <a:bodyPr rtlCol="0" anchor="ctr"/>
+          <a:lstStyle/>
+          <a:p>
+            <a:pPr algn="ctr"/>
+            <a:endParaRPr lang="pt-BR"/>
+          </a:p>
+        </p:txBody>
+      </p:sp>
+    </p:spTree>
+    <p:extLst>
+      <p:ext uri="{BB962C8B-B14F-4D97-AF65-F5344CB8AC3E}">
+        <p14:creationId xmlns:p14="http://schemas.microsoft.com/office/powerpoint/2010/main" val="3121933748"/>
+      </p:ext>
+    </p:extLst>
+  </p:cSld>
+  <p:clrMapOvr>
+    <a:masterClrMapping/>
+  </p:clrMapOvr>
+</p:sld>
+</file>
+
+<file path=ppt/slides/slide7.xml><?xml version="1.0" encoding="utf-8"?>
+<p:sld xmlns:a="http://schemas.openxmlformats.org/drawingml/2006/main" xmlns:r="http://schemas.openxmlformats.org/officeDocument/2006/relationships" xmlns:p="http://schemas.openxmlformats.org/presentationml/2006/main">
+  <p:cSld>
+    <p:spTree>
+      <p:nvGrpSpPr>
+        <p:cNvPr id="1" name=""/>
+        <p:cNvGrpSpPr/>
+        <p:nvPr/>
+      </p:nvGrpSpPr>
+      <p:grpSpPr>
+        <a:xfrm>
+          <a:off x="0" y="0"/>
+          <a:ext cx="0" cy="0"/>
+          <a:chOff x="0" y="0"/>
+          <a:chExt cx="0" cy="0"/>
+        </a:xfrm>
+      </p:grpSpPr>
+      <p:sp>
+        <p:nvSpPr>
           <p:cNvPr id="7" name="Título 6" hidden="1">
             <a:extLst>
               <a:ext uri="{FF2B5EF4-FFF2-40B4-BE49-F238E27FC236}">
@@ -27034,7 +27917,7 @@
 </p:sld>
 </file>
 
-<file path=ppt/slides/slide7.xml><?xml version="1.0" encoding="utf-8"?>
+<file path=ppt/slides/slide8.xml><?xml version="1.0" encoding="utf-8"?>
 <p:sld xmlns:a="http://schemas.openxmlformats.org/drawingml/2006/main" xmlns:r="http://schemas.openxmlformats.org/officeDocument/2006/relationships" xmlns:p="http://schemas.openxmlformats.org/presentationml/2006/main">
   <p:cSld>
     <p:spTree>
@@ -27405,7 +28288,7 @@
 </p:sld>
 </file>
 
-<file path=ppt/slides/slide8.xml><?xml version="1.0" encoding="utf-8"?>
+<file path=ppt/slides/slide9.xml><?xml version="1.0" encoding="utf-8"?>
 <p:sld xmlns:a="http://schemas.openxmlformats.org/drawingml/2006/main" xmlns:r="http://schemas.openxmlformats.org/officeDocument/2006/relationships" xmlns:p="http://schemas.openxmlformats.org/presentationml/2006/main">
   <p:cSld>
     <p:spTree>
@@ -27700,310 +28583,6 @@
     <p:extLst>
       <p:ext uri="{BB962C8B-B14F-4D97-AF65-F5344CB8AC3E}">
         <p14:creationId xmlns:p14="http://schemas.microsoft.com/office/powerpoint/2010/main" val="1771814703"/>
-      </p:ext>
-    </p:extLst>
-  </p:cSld>
-  <p:clrMapOvr>
-    <a:masterClrMapping/>
-  </p:clrMapOvr>
-</p:sld>
-</file>
-
-<file path=ppt/slides/slide9.xml><?xml version="1.0" encoding="utf-8"?>
-<p:sld xmlns:a="http://schemas.openxmlformats.org/drawingml/2006/main" xmlns:r="http://schemas.openxmlformats.org/officeDocument/2006/relationships" xmlns:p="http://schemas.openxmlformats.org/presentationml/2006/main">
-  <p:cSld>
-    <p:spTree>
-      <p:nvGrpSpPr>
-        <p:cNvPr id="1" name=""/>
-        <p:cNvGrpSpPr/>
-        <p:nvPr/>
-      </p:nvGrpSpPr>
-      <p:grpSpPr>
-        <a:xfrm>
-          <a:off x="0" y="0"/>
-          <a:ext cx="0" cy="0"/>
-          <a:chOff x="0" y="0"/>
-          <a:chExt cx="0" cy="0"/>
-        </a:xfrm>
-      </p:grpSpPr>
-      <p:sp>
-        <p:nvSpPr>
-          <p:cNvPr id="7" name="Título 6" hidden="1">
-            <a:extLst>
-              <a:ext uri="{FF2B5EF4-FFF2-40B4-BE49-F238E27FC236}">
-                <a16:creationId xmlns:a16="http://schemas.microsoft.com/office/drawing/2014/main" id="{A588A72A-976E-478A-9DD3-765AB3ED4CD0}"/>
-              </a:ext>
-            </a:extLst>
-          </p:cNvPr>
-          <p:cNvSpPr>
-            <a:spLocks noGrp="1"/>
-          </p:cNvSpPr>
-          <p:nvPr>
-            <p:ph type="title" idx="4294967295"/>
-          </p:nvPr>
-        </p:nvSpPr>
-        <p:spPr>
-          <a:xfrm>
-            <a:off x="0" y="365125"/>
-            <a:ext cx="10515600" cy="1325563"/>
-          </a:xfrm>
-        </p:spPr>
-        <p:txBody>
-          <a:bodyPr rtlCol="0"/>
-          <a:lstStyle/>
-          <a:p>
-            <a:r>
-              <a:rPr lang="pt-BR" dirty="0"/>
-              <a:t>Análise de projeto slide 8</a:t>
-            </a:r>
-            <a:endParaRPr lang="pt-br" dirty="0"/>
-          </a:p>
-        </p:txBody>
-      </p:sp>
-      <p:cxnSp>
-        <p:nvCxnSpPr>
-          <p:cNvPr id="8" name="Conector Reto 7">
-            <a:extLst>
-              <a:ext uri="{FF2B5EF4-FFF2-40B4-BE49-F238E27FC236}">
-                <a16:creationId xmlns:a16="http://schemas.microsoft.com/office/drawing/2014/main" id="{D0986099-F5F2-4E8B-BE17-81194861A00C}"/>
-              </a:ext>
-              <a:ext uri="{C183D7F6-B498-43B3-948B-1728B52AA6E4}">
-                <adec:decorative xmlns:adec="http://schemas.microsoft.com/office/drawing/2017/decorative" val="1"/>
-              </a:ext>
-            </a:extLst>
-          </p:cNvPr>
-          <p:cNvCxnSpPr>
-            <a:cxnSpLocks/>
-          </p:cNvCxnSpPr>
-          <p:nvPr/>
-        </p:nvCxnSpPr>
-        <p:spPr>
-          <a:xfrm>
-            <a:off x="8105775" y="522898"/>
-            <a:ext cx="4086225" cy="0"/>
-          </a:xfrm>
-          <a:prstGeom prst="line">
-            <a:avLst/>
-          </a:prstGeom>
-          <a:ln>
-            <a:solidFill>
-              <a:schemeClr val="accent3">
-                <a:lumMod val="50000"/>
-              </a:schemeClr>
-            </a:solidFill>
-            <a:headEnd type="oval"/>
-          </a:ln>
-        </p:spPr>
-        <p:style>
-          <a:lnRef idx="1">
-            <a:schemeClr val="accent1"/>
-          </a:lnRef>
-          <a:fillRef idx="0">
-            <a:schemeClr val="accent1"/>
-          </a:fillRef>
-          <a:effectRef idx="0">
-            <a:schemeClr val="accent1"/>
-          </a:effectRef>
-          <a:fontRef idx="minor">
-            <a:schemeClr val="tx1"/>
-          </a:fontRef>
-        </p:style>
-      </p:cxnSp>
-      <p:sp>
-        <p:nvSpPr>
-          <p:cNvPr id="11" name="Título 1">
-            <a:extLst>
-              <a:ext uri="{FF2B5EF4-FFF2-40B4-BE49-F238E27FC236}">
-                <a16:creationId xmlns:a16="http://schemas.microsoft.com/office/drawing/2014/main" id="{4E3F5479-058B-4FA8-92E9-18CAB8CDC5C5}"/>
-              </a:ext>
-            </a:extLst>
-          </p:cNvPr>
-          <p:cNvSpPr txBox="1">
-            <a:spLocks/>
-          </p:cNvSpPr>
-          <p:nvPr/>
-        </p:nvSpPr>
-        <p:spPr>
-          <a:xfrm>
-            <a:off x="228600" y="328999"/>
-            <a:ext cx="11734800" cy="387798"/>
-          </a:xfrm>
-          <a:prstGeom prst="rect">
-            <a:avLst/>
-          </a:prstGeom>
-        </p:spPr>
-        <p:txBody>
-          <a:bodyPr vert="horz" wrap="square" lIns="0" tIns="0" rIns="0" bIns="0" rtlCol="0" anchor="t">
-            <a:spAutoFit/>
-          </a:bodyPr>
-          <a:lstStyle>
-            <a:lvl1pPr algn="l" defTabSz="914400" rtl="0" eaLnBrk="1" latinLnBrk="0" hangingPunct="1">
-              <a:lnSpc>
-                <a:spcPct val="90000"/>
-              </a:lnSpc>
-              <a:spcBef>
-                <a:spcPct val="0"/>
-              </a:spcBef>
-              <a:buNone/>
-              <a:defRPr sz="4400" kern="1200">
-                <a:solidFill>
-                  <a:schemeClr val="tx1"/>
-                </a:solidFill>
-                <a:latin typeface="+mj-lt"/>
-                <a:ea typeface="+mj-ea"/>
-                <a:cs typeface="+mj-cs"/>
-              </a:defRPr>
-            </a:lvl1pPr>
-          </a:lstStyle>
-          <a:p>
-            <a:pPr algn="ctr" rtl="0"/>
-            <a:r>
-              <a:rPr lang="pt-BR" sz="2800" dirty="0"/>
-              <a:t>Sensor Vital</a:t>
-            </a:r>
-          </a:p>
-        </p:txBody>
-      </p:sp>
-      <p:cxnSp>
-        <p:nvCxnSpPr>
-          <p:cNvPr id="14" name="Conector Reto 13">
-            <a:extLst>
-              <a:ext uri="{FF2B5EF4-FFF2-40B4-BE49-F238E27FC236}">
-                <a16:creationId xmlns:a16="http://schemas.microsoft.com/office/drawing/2014/main" id="{83E690F4-843A-47A5-8620-4FB01C0D8E68}"/>
-              </a:ext>
-              <a:ext uri="{C183D7F6-B498-43B3-948B-1728B52AA6E4}">
-                <adec:decorative xmlns:adec="http://schemas.microsoft.com/office/drawing/2017/decorative" val="1"/>
-              </a:ext>
-            </a:extLst>
-          </p:cNvPr>
-          <p:cNvCxnSpPr>
-            <a:cxnSpLocks/>
-          </p:cNvCxnSpPr>
-          <p:nvPr/>
-        </p:nvCxnSpPr>
-        <p:spPr>
-          <a:xfrm>
-            <a:off x="0" y="522898"/>
-            <a:ext cx="4086225" cy="0"/>
-          </a:xfrm>
-          <a:prstGeom prst="line">
-            <a:avLst/>
-          </a:prstGeom>
-          <a:ln>
-            <a:solidFill>
-              <a:schemeClr val="accent3">
-                <a:lumMod val="50000"/>
-              </a:schemeClr>
-            </a:solidFill>
-            <a:tailEnd type="oval"/>
-          </a:ln>
-        </p:spPr>
-        <p:style>
-          <a:lnRef idx="1">
-            <a:schemeClr val="accent1"/>
-          </a:lnRef>
-          <a:fillRef idx="0">
-            <a:schemeClr val="accent1"/>
-          </a:fillRef>
-          <a:effectRef idx="0">
-            <a:schemeClr val="accent1"/>
-          </a:effectRef>
-          <a:fontRef idx="minor">
-            <a:schemeClr val="tx1"/>
-          </a:fontRef>
-        </p:style>
-      </p:cxnSp>
-      <p:sp>
-        <p:nvSpPr>
-          <p:cNvPr id="20" name="Retângulo: Cantos Arredondados 19">
-            <a:extLst>
-              <a:ext uri="{FF2B5EF4-FFF2-40B4-BE49-F238E27FC236}">
-                <a16:creationId xmlns:a16="http://schemas.microsoft.com/office/drawing/2014/main" id="{A3582320-2E76-4EE0-B969-C2FD85866EBF}"/>
-              </a:ext>
-            </a:extLst>
-          </p:cNvPr>
-          <p:cNvSpPr/>
-          <p:nvPr/>
-        </p:nvSpPr>
-        <p:spPr>
-          <a:xfrm>
-            <a:off x="3612243" y="1173241"/>
-            <a:ext cx="4967514" cy="664797"/>
-          </a:xfrm>
-          <a:prstGeom prst="roundRect">
-            <a:avLst/>
-          </a:prstGeom>
-          <a:solidFill>
-            <a:srgbClr val="BC1414"/>
-          </a:solidFill>
-          <a:ln>
-            <a:noFill/>
-          </a:ln>
-        </p:spPr>
-        <p:style>
-          <a:lnRef idx="2">
-            <a:schemeClr val="accent1">
-              <a:shade val="50000"/>
-            </a:schemeClr>
-          </a:lnRef>
-          <a:fillRef idx="1">
-            <a:schemeClr val="accent1"/>
-          </a:fillRef>
-          <a:effectRef idx="0">
-            <a:schemeClr val="accent1"/>
-          </a:effectRef>
-          <a:fontRef idx="minor">
-            <a:schemeClr val="lt1"/>
-          </a:fontRef>
-        </p:style>
-        <p:txBody>
-          <a:bodyPr rtlCol="0" anchor="ctr"/>
-          <a:lstStyle/>
-          <a:p>
-            <a:pPr algn="ctr" rtl="0"/>
-            <a:r>
-              <a:rPr lang="pt-BR" b="1" dirty="0">
-                <a:latin typeface="+mj-lt"/>
-              </a:rPr>
-              <a:t>Cadastro e login</a:t>
-            </a:r>
-          </a:p>
-        </p:txBody>
-      </p:sp>
-      <p:pic>
-        <p:nvPicPr>
-          <p:cNvPr id="2" name="Imagem 1">
-            <a:extLst>
-              <a:ext uri="{FF2B5EF4-FFF2-40B4-BE49-F238E27FC236}">
-                <a16:creationId xmlns:a16="http://schemas.microsoft.com/office/drawing/2014/main" id="{DB70DE85-FB90-4FF2-BC7A-F157CD6443D4}"/>
-              </a:ext>
-            </a:extLst>
-          </p:cNvPr>
-          <p:cNvPicPr>
-            <a:picLocks noChangeAspect="1"/>
-          </p:cNvPicPr>
-          <p:nvPr/>
-        </p:nvPicPr>
-        <p:blipFill>
-          <a:blip r:embed="rId3"/>
-          <a:stretch>
-            <a:fillRect/>
-          </a:stretch>
-        </p:blipFill>
-        <p:spPr>
-          <a:xfrm>
-            <a:off x="1342240" y="2031936"/>
-            <a:ext cx="9253056" cy="4694210"/>
-          </a:xfrm>
-          <a:prstGeom prst="rect">
-            <a:avLst/>
-          </a:prstGeom>
-        </p:spPr>
-      </p:pic>
-    </p:spTree>
-    <p:extLst>
-      <p:ext uri="{BB962C8B-B14F-4D97-AF65-F5344CB8AC3E}">
-        <p14:creationId xmlns:p14="http://schemas.microsoft.com/office/powerpoint/2010/main" val="3258170134"/>
       </p:ext>
     </p:extLst>
   </p:cSld>
